--- a/Homework/16-D3/D3-Challenge-DOMAICA/README.pptx
+++ b/Homework/16-D3/D3-Challenge-DOMAICA/README.pptx
@@ -214,7 +214,7 @@
           <a:p>
             <a:fld id="{FBAFBA1F-CED4-45CC-89CC-38E0D3292786}" type="datetimeFigureOut">
               <a:rPr lang="en-US" smtClean="0"/>
-              <a:t>21-May-21</a:t>
+              <a:t>28-May-21</a:t>
             </a:fld>
             <a:endParaRPr lang="en-US"/>
           </a:p>
@@ -565,7 +565,7 @@
             <a:fld id="{94EF284B-A536-4129-B3B0-B5ABA5FDC2D4}" type="datetime1">
               <a:rPr lang="en-US" smtClean="0"/>
               <a:pPr/>
-              <a:t>21-May-21</a:t>
+              <a:t>28-May-21</a:t>
             </a:fld>
             <a:endParaRPr lang="en-US"/>
           </a:p>
@@ -773,7 +773,7 @@
             <a:fld id="{D813B121-7DC8-4740-AF23-B2979B0ADE67}" type="datetime1">
               <a:rPr lang="en-US" smtClean="0"/>
               <a:pPr/>
-              <a:t>21-May-21</a:t>
+              <a:t>28-May-21</a:t>
             </a:fld>
             <a:endParaRPr lang="en-US"/>
           </a:p>
@@ -1210,10 +1210,10 @@
       </p:sp>
       <p:pic>
         <p:nvPicPr>
-          <p:cNvPr id="8" name="Picture 7">
+          <p:cNvPr id="5" name="Picture 4">
             <a:extLst>
               <a:ext uri="{FF2B5EF4-FFF2-40B4-BE49-F238E27FC236}">
-                <a16:creationId xmlns:a16="http://schemas.microsoft.com/office/drawing/2014/main" id="{A82D3D16-31BB-4D96-B33C-1F7A380575EA}"/>
+                <a16:creationId xmlns:a16="http://schemas.microsoft.com/office/drawing/2014/main" id="{75536FB3-F0B7-4CCE-A7CA-AA9378E38AC6}"/>
               </a:ext>
             </a:extLst>
           </p:cNvPr>
@@ -1230,8 +1230,8 @@
         </p:blipFill>
         <p:spPr>
           <a:xfrm>
-            <a:off x="1066088" y="740664"/>
-            <a:ext cx="6844727" cy="4127430"/>
+            <a:off x="1144890" y="574703"/>
+            <a:ext cx="6005305" cy="4148592"/>
           </a:xfrm>
           <a:prstGeom prst="rect">
             <a:avLst/>
@@ -1270,10 +1270,10 @@
       </p:grpSpPr>
       <p:pic>
         <p:nvPicPr>
-          <p:cNvPr id="12" name="Picture 11">
+          <p:cNvPr id="5" name="Picture 4">
             <a:extLst>
               <a:ext uri="{FF2B5EF4-FFF2-40B4-BE49-F238E27FC236}">
-                <a16:creationId xmlns:a16="http://schemas.microsoft.com/office/drawing/2014/main" id="{859EF9B4-479E-45F5-9AFB-323735FCE27A}"/>
+                <a16:creationId xmlns:a16="http://schemas.microsoft.com/office/drawing/2014/main" id="{5709D1B3-515E-4C5D-8021-7AE89F58B0C6}"/>
               </a:ext>
             </a:extLst>
           </p:cNvPr>
@@ -1290,8 +1290,8 @@
         </p:blipFill>
         <p:spPr>
           <a:xfrm>
-            <a:off x="1001038" y="529113"/>
-            <a:ext cx="6809964" cy="4239771"/>
+            <a:off x="567040" y="429904"/>
+            <a:ext cx="6961292" cy="4516654"/>
           </a:xfrm>
           <a:prstGeom prst="rect">
             <a:avLst/>
@@ -1323,7 +1323,7 @@
           <a:p>
             <a:r>
               <a:rPr lang="en-US" dirty="0"/>
-              <a:t>Detail of hovering over a bar chart content</a:t>
+              <a:t>Detail of hovering over a circle marker</a:t>
             </a:r>
             <a:endParaRPr lang="es-ES" dirty="0"/>
           </a:p>
@@ -1372,30 +1372,34 @@
         </p:nvSpPr>
         <p:spPr>
           <a:xfrm>
-            <a:off x="3330007" y="3383280"/>
-            <a:ext cx="601914" cy="231854"/>
+            <a:off x="4082926" y="2000680"/>
+            <a:ext cx="880959" cy="728769"/>
           </a:xfrm>
           <a:custGeom>
             <a:avLst/>
             <a:gdLst>
-              <a:gd name="connsiteX0" fmla="*/ 0 w 601914"/>
-              <a:gd name="connsiteY0" fmla="*/ 38643 h 231854"/>
-              <a:gd name="connsiteX1" fmla="*/ 38643 w 601914"/>
-              <a:gd name="connsiteY1" fmla="*/ 0 h 231854"/>
-              <a:gd name="connsiteX2" fmla="*/ 563271 w 601914"/>
-              <a:gd name="connsiteY2" fmla="*/ 0 h 231854"/>
-              <a:gd name="connsiteX3" fmla="*/ 601914 w 601914"/>
-              <a:gd name="connsiteY3" fmla="*/ 38643 h 231854"/>
-              <a:gd name="connsiteX4" fmla="*/ 601914 w 601914"/>
-              <a:gd name="connsiteY4" fmla="*/ 193211 h 231854"/>
-              <a:gd name="connsiteX5" fmla="*/ 563271 w 601914"/>
-              <a:gd name="connsiteY5" fmla="*/ 231854 h 231854"/>
-              <a:gd name="connsiteX6" fmla="*/ 38643 w 601914"/>
-              <a:gd name="connsiteY6" fmla="*/ 231854 h 231854"/>
-              <a:gd name="connsiteX7" fmla="*/ 0 w 601914"/>
-              <a:gd name="connsiteY7" fmla="*/ 193211 h 231854"/>
-              <a:gd name="connsiteX8" fmla="*/ 0 w 601914"/>
-              <a:gd name="connsiteY8" fmla="*/ 38643 h 231854"/>
+              <a:gd name="connsiteX0" fmla="*/ 0 w 880959"/>
+              <a:gd name="connsiteY0" fmla="*/ 121464 h 728769"/>
+              <a:gd name="connsiteX1" fmla="*/ 121464 w 880959"/>
+              <a:gd name="connsiteY1" fmla="*/ 0 h 728769"/>
+              <a:gd name="connsiteX2" fmla="*/ 453240 w 880959"/>
+              <a:gd name="connsiteY2" fmla="*/ 0 h 728769"/>
+              <a:gd name="connsiteX3" fmla="*/ 759495 w 880959"/>
+              <a:gd name="connsiteY3" fmla="*/ 0 h 728769"/>
+              <a:gd name="connsiteX4" fmla="*/ 880959 w 880959"/>
+              <a:gd name="connsiteY4" fmla="*/ 121464 h 728769"/>
+              <a:gd name="connsiteX5" fmla="*/ 880959 w 880959"/>
+              <a:gd name="connsiteY5" fmla="*/ 607305 h 728769"/>
+              <a:gd name="connsiteX6" fmla="*/ 759495 w 880959"/>
+              <a:gd name="connsiteY6" fmla="*/ 728769 h 728769"/>
+              <a:gd name="connsiteX7" fmla="*/ 440480 w 880959"/>
+              <a:gd name="connsiteY7" fmla="*/ 728769 h 728769"/>
+              <a:gd name="connsiteX8" fmla="*/ 121464 w 880959"/>
+              <a:gd name="connsiteY8" fmla="*/ 728769 h 728769"/>
+              <a:gd name="connsiteX9" fmla="*/ 0 w 880959"/>
+              <a:gd name="connsiteY9" fmla="*/ 607305 h 728769"/>
+              <a:gd name="connsiteX10" fmla="*/ 0 w 880959"/>
+              <a:gd name="connsiteY10" fmla="*/ 121464 h 728769"/>
             </a:gdLst>
             <a:ahLst/>
             <a:cxnLst>
@@ -1426,215 +1430,68 @@
               <a:cxn ang="0">
                 <a:pos x="connsiteX8" y="connsiteY8"/>
               </a:cxn>
+              <a:cxn ang="0">
+                <a:pos x="connsiteX9" y="connsiteY9"/>
+              </a:cxn>
+              <a:cxn ang="0">
+                <a:pos x="connsiteX10" y="connsiteY10"/>
+              </a:cxn>
             </a:cxnLst>
             <a:rect l="l" t="t" r="r" b="b"/>
             <a:pathLst>
-              <a:path w="601914" h="231854" extrusionOk="0">
+              <a:path w="880959" h="728769" extrusionOk="0">
                 <a:moveTo>
-                  <a:pt x="0" y="38643"/>
+                  <a:pt x="0" y="121464"/>
                 </a:moveTo>
                 <a:cubicBezTo>
-                  <a:pt x="-3986" y="14842"/>
-                  <a:pt x="15534" y="663"/>
-                  <a:pt x="38643" y="0"/>
-                </a:cubicBezTo>
-                <a:cubicBezTo>
-                  <a:pt x="275954" y="-38781"/>
-                  <a:pt x="328124" y="10590"/>
-                  <a:pt x="563271" y="0"/>
-                </a:cubicBezTo>
-                <a:cubicBezTo>
-                  <a:pt x="583944" y="-509"/>
-                  <a:pt x="599906" y="21423"/>
-                  <a:pt x="601914" y="38643"/>
-                </a:cubicBezTo>
-                <a:cubicBezTo>
-                  <a:pt x="615921" y="84841"/>
-                  <a:pt x="585763" y="161039"/>
-                  <a:pt x="601914" y="193211"/>
-                </a:cubicBezTo>
-                <a:cubicBezTo>
-                  <a:pt x="602153" y="214060"/>
-                  <a:pt x="582036" y="231459"/>
-                  <a:pt x="563271" y="231854"/>
-                </a:cubicBezTo>
-                <a:cubicBezTo>
-                  <a:pt x="362536" y="232503"/>
-                  <a:pt x="166624" y="178217"/>
-                  <a:pt x="38643" y="231854"/>
-                </a:cubicBezTo>
-                <a:cubicBezTo>
-                  <a:pt x="15405" y="234990"/>
-                  <a:pt x="-1007" y="213385"/>
-                  <a:pt x="0" y="193211"/>
-                </a:cubicBezTo>
-                <a:cubicBezTo>
-                  <a:pt x="-14460" y="125500"/>
-                  <a:pt x="36" y="105323"/>
-                  <a:pt x="0" y="38643"/>
-                </a:cubicBezTo>
-                <a:close/>
-              </a:path>
-            </a:pathLst>
-          </a:custGeom>
-          <a:noFill/>
-          <a:ln>
-            <a:solidFill>
-              <a:srgbClr val="FF0000"/>
-            </a:solidFill>
-            <a:extLst>
-              <a:ext uri="{C807C97D-BFC1-408E-A445-0C87EB9F89A2}">
-                <ask:lineSketchStyleProps xmlns:ask="http://schemas.microsoft.com/office/drawing/2018/sketchyshapes" sd="1219033472">
-                  <a:prstGeom prst="roundRect">
-                    <a:avLst/>
-                  </a:prstGeom>
-                  <ask:type>
-                    <ask:lineSketchScribble/>
-                  </ask:type>
-                </ask:lineSketchStyleProps>
-              </a:ext>
-            </a:extLst>
-          </a:ln>
-        </p:spPr>
-        <p:style>
-          <a:lnRef idx="2">
-            <a:schemeClr val="accent1">
-              <a:shade val="50000"/>
-            </a:schemeClr>
-          </a:lnRef>
-          <a:fillRef idx="1">
-            <a:schemeClr val="accent1"/>
-          </a:fillRef>
-          <a:effectRef idx="0">
-            <a:schemeClr val="accent1"/>
-          </a:effectRef>
-          <a:fontRef idx="minor">
-            <a:schemeClr val="lt1"/>
-          </a:fontRef>
-        </p:style>
-        <p:txBody>
-          <a:bodyPr rtlCol="0" anchor="ctr"/>
-          <a:lstStyle/>
-          <a:p>
-            <a:pPr algn="ctr"/>
-            <a:endParaRPr lang="es-ES"/>
-          </a:p>
-        </p:txBody>
-      </p:sp>
-      <p:sp>
-        <p:nvSpPr>
-          <p:cNvPr id="10" name="Rectangle: Rounded Corners 9">
-            <a:extLst>
-              <a:ext uri="{FF2B5EF4-FFF2-40B4-BE49-F238E27FC236}">
-                <a16:creationId xmlns:a16="http://schemas.microsoft.com/office/drawing/2014/main" id="{FAC29A2B-C427-41BE-8FF2-4F8B51D44135}"/>
-              </a:ext>
-            </a:extLst>
-          </p:cNvPr>
-          <p:cNvSpPr/>
-          <p:nvPr/>
-        </p:nvSpPr>
-        <p:spPr>
-          <a:xfrm>
-            <a:off x="4411593" y="3403905"/>
-            <a:ext cx="386824" cy="190603"/>
-          </a:xfrm>
-          <a:custGeom>
-            <a:avLst/>
-            <a:gdLst>
-              <a:gd name="connsiteX0" fmla="*/ 0 w 386824"/>
-              <a:gd name="connsiteY0" fmla="*/ 31768 h 190603"/>
-              <a:gd name="connsiteX1" fmla="*/ 31768 w 386824"/>
-              <a:gd name="connsiteY1" fmla="*/ 0 h 190603"/>
-              <a:gd name="connsiteX2" fmla="*/ 355056 w 386824"/>
-              <a:gd name="connsiteY2" fmla="*/ 0 h 190603"/>
-              <a:gd name="connsiteX3" fmla="*/ 386824 w 386824"/>
-              <a:gd name="connsiteY3" fmla="*/ 31768 h 190603"/>
-              <a:gd name="connsiteX4" fmla="*/ 386824 w 386824"/>
-              <a:gd name="connsiteY4" fmla="*/ 158835 h 190603"/>
-              <a:gd name="connsiteX5" fmla="*/ 355056 w 386824"/>
-              <a:gd name="connsiteY5" fmla="*/ 190603 h 190603"/>
-              <a:gd name="connsiteX6" fmla="*/ 31768 w 386824"/>
-              <a:gd name="connsiteY6" fmla="*/ 190603 h 190603"/>
-              <a:gd name="connsiteX7" fmla="*/ 0 w 386824"/>
-              <a:gd name="connsiteY7" fmla="*/ 158835 h 190603"/>
-              <a:gd name="connsiteX8" fmla="*/ 0 w 386824"/>
-              <a:gd name="connsiteY8" fmla="*/ 31768 h 190603"/>
-            </a:gdLst>
-            <a:ahLst/>
-            <a:cxnLst>
-              <a:cxn ang="0">
-                <a:pos x="connsiteX0" y="connsiteY0"/>
-              </a:cxn>
-              <a:cxn ang="0">
-                <a:pos x="connsiteX1" y="connsiteY1"/>
-              </a:cxn>
-              <a:cxn ang="0">
-                <a:pos x="connsiteX2" y="connsiteY2"/>
-              </a:cxn>
-              <a:cxn ang="0">
-                <a:pos x="connsiteX3" y="connsiteY3"/>
-              </a:cxn>
-              <a:cxn ang="0">
-                <a:pos x="connsiteX4" y="connsiteY4"/>
-              </a:cxn>
-              <a:cxn ang="0">
-                <a:pos x="connsiteX5" y="connsiteY5"/>
-              </a:cxn>
-              <a:cxn ang="0">
-                <a:pos x="connsiteX6" y="connsiteY6"/>
-              </a:cxn>
-              <a:cxn ang="0">
-                <a:pos x="connsiteX7" y="connsiteY7"/>
-              </a:cxn>
-              <a:cxn ang="0">
-                <a:pos x="connsiteX8" y="connsiteY8"/>
-              </a:cxn>
-            </a:cxnLst>
-            <a:rect l="l" t="t" r="r" b="b"/>
-            <a:pathLst>
-              <a:path w="386824" h="190603" extrusionOk="0">
-                <a:moveTo>
-                  <a:pt x="0" y="31768"/>
-                </a:moveTo>
-                <a:cubicBezTo>
-                  <a:pt x="-747" y="13762"/>
-                  <a:pt x="11401" y="1059"/>
-                  <a:pt x="31768" y="0"/>
-                </a:cubicBezTo>
-                <a:cubicBezTo>
-                  <a:pt x="166770" y="-36808"/>
-                  <a:pt x="224995" y="1555"/>
-                  <a:pt x="355056" y="0"/>
-                </a:cubicBezTo>
-                <a:cubicBezTo>
-                  <a:pt x="372007" y="-452"/>
-                  <a:pt x="385461" y="17021"/>
-                  <a:pt x="386824" y="31768"/>
-                </a:cubicBezTo>
-                <a:cubicBezTo>
-                  <a:pt x="399263" y="89197"/>
-                  <a:pt x="374898" y="133423"/>
-                  <a:pt x="386824" y="158835"/>
-                </a:cubicBezTo>
-                <a:cubicBezTo>
-                  <a:pt x="388590" y="172746"/>
-                  <a:pt x="371775" y="190477"/>
-                  <a:pt x="355056" y="190603"/>
-                </a:cubicBezTo>
-                <a:cubicBezTo>
-                  <a:pt x="218986" y="223177"/>
-                  <a:pt x="158343" y="172082"/>
-                  <a:pt x="31768" y="190603"/>
-                </a:cubicBezTo>
-                <a:cubicBezTo>
-                  <a:pt x="11876" y="194485"/>
-                  <a:pt x="-2721" y="173224"/>
-                  <a:pt x="0" y="158835"/>
-                </a:cubicBezTo>
-                <a:cubicBezTo>
-                  <a:pt x="-12055" y="100403"/>
-                  <a:pt x="6955" y="92937"/>
-                  <a:pt x="0" y="31768"/>
+                  <a:pt x="-3772" y="52054"/>
+                  <a:pt x="40492" y="5213"/>
+                  <a:pt x="121464" y="0"/>
+                </a:cubicBezTo>
+                <a:cubicBezTo>
+                  <a:pt x="245328" y="-31679"/>
+                  <a:pt x="363576" y="8037"/>
+                  <a:pt x="453240" y="0"/>
+                </a:cubicBezTo>
+                <a:cubicBezTo>
+                  <a:pt x="542904" y="-8037"/>
+                  <a:pt x="693164" y="33766"/>
+                  <a:pt x="759495" y="0"/>
+                </a:cubicBezTo>
+                <a:cubicBezTo>
+                  <a:pt x="818710" y="-4305"/>
+                  <a:pt x="883305" y="55502"/>
+                  <a:pt x="880959" y="121464"/>
+                </a:cubicBezTo>
+                <a:cubicBezTo>
+                  <a:pt x="891817" y="337023"/>
+                  <a:pt x="822691" y="464545"/>
+                  <a:pt x="880959" y="607305"/>
+                </a:cubicBezTo>
+                <a:cubicBezTo>
+                  <a:pt x="887947" y="663017"/>
+                  <a:pt x="822281" y="732545"/>
+                  <a:pt x="759495" y="728769"/>
+                </a:cubicBezTo>
+                <a:cubicBezTo>
+                  <a:pt x="679921" y="737281"/>
+                  <a:pt x="540486" y="721655"/>
+                  <a:pt x="440480" y="728769"/>
+                </a:cubicBezTo>
+                <a:cubicBezTo>
+                  <a:pt x="340475" y="735883"/>
+                  <a:pt x="205121" y="702900"/>
+                  <a:pt x="121464" y="728769"/>
+                </a:cubicBezTo>
+                <a:cubicBezTo>
+                  <a:pt x="43865" y="728167"/>
+                  <a:pt x="1351" y="670683"/>
+                  <a:pt x="0" y="607305"/>
+                </a:cubicBezTo>
+                <a:cubicBezTo>
+                  <a:pt x="-22553" y="434873"/>
+                  <a:pt x="28582" y="294664"/>
+                  <a:pt x="0" y="121464"/>
                 </a:cubicBezTo>
                 <a:close/>
               </a:path>
@@ -1714,36 +1571,6 @@
           <a:chExt cx="0" cy="0"/>
         </a:xfrm>
       </p:grpSpPr>
-      <p:pic>
-        <p:nvPicPr>
-          <p:cNvPr id="15" name="Picture 14">
-            <a:extLst>
-              <a:ext uri="{FF2B5EF4-FFF2-40B4-BE49-F238E27FC236}">
-                <a16:creationId xmlns:a16="http://schemas.microsoft.com/office/drawing/2014/main" id="{5731D90A-30E6-460F-8638-A545AAEAC991}"/>
-              </a:ext>
-            </a:extLst>
-          </p:cNvPr>
-          <p:cNvPicPr>
-            <a:picLocks noChangeAspect="1"/>
-          </p:cNvPicPr>
-          <p:nvPr/>
-        </p:nvPicPr>
-        <p:blipFill>
-          <a:blip r:embed="rId2"/>
-          <a:stretch>
-            <a:fillRect/>
-          </a:stretch>
-        </p:blipFill>
-        <p:spPr>
-          <a:xfrm>
-            <a:off x="648824" y="548173"/>
-            <a:ext cx="7004704" cy="4319921"/>
-          </a:xfrm>
-          <a:prstGeom prst="rect">
-            <a:avLst/>
-          </a:prstGeom>
-        </p:spPr>
-      </p:pic>
       <p:sp>
         <p:nvSpPr>
           <p:cNvPr id="2" name="Title 1">
@@ -1769,7 +1596,7 @@
           <a:p>
             <a:r>
               <a:rPr lang="en-US" dirty="0"/>
-              <a:t>Dropdown selection to change input and selected data</a:t>
+              <a:t>GIF showing input changes and plotting new data</a:t>
             </a:r>
             <a:endParaRPr lang="es-ES" dirty="0"/>
           </a:p>
@@ -1804,48 +1631,42 @@
           </a:p>
         </p:txBody>
       </p:sp>
-      <p:cxnSp>
-        <p:nvCxnSpPr>
-          <p:cNvPr id="11" name="Straight Arrow Connector 10">
+      <p:pic>
+        <p:nvPicPr>
+          <p:cNvPr id="5" name="Picture 4" descr="Chart, scatter chart&#10;&#10;Description automatically generated">
             <a:extLst>
               <a:ext uri="{FF2B5EF4-FFF2-40B4-BE49-F238E27FC236}">
-                <a16:creationId xmlns:a16="http://schemas.microsoft.com/office/drawing/2014/main" id="{98FF6398-9E7F-4B8A-8916-07F839DBEEDF}"/>
+                <a16:creationId xmlns:a16="http://schemas.microsoft.com/office/drawing/2014/main" id="{0CFF04E5-89E6-4830-BBFE-A377D4394640}"/>
               </a:ext>
             </a:extLst>
           </p:cNvPr>
-          <p:cNvCxnSpPr/>
+          <p:cNvPicPr>
+            <a:picLocks noChangeAspect="1"/>
+          </p:cNvPicPr>
           <p:nvPr/>
-        </p:nvCxnSpPr>
+        </p:nvPicPr>
+        <p:blipFill>
+          <a:blip r:embed="rId2">
+            <a:extLst>
+              <a:ext uri="{28A0092B-C50C-407E-A947-70E740481C1C}">
+                <a14:useLocalDpi xmlns:a14="http://schemas.microsoft.com/office/drawing/2010/main" val="0"/>
+              </a:ext>
+            </a:extLst>
+          </a:blip>
+          <a:stretch>
+            <a:fillRect/>
+          </a:stretch>
+        </p:blipFill>
         <p:spPr>
-          <a:xfrm flipV="1">
-            <a:off x="868680" y="2535174"/>
-            <a:ext cx="932688" cy="420624"/>
+          <a:xfrm>
+            <a:off x="1234687" y="591692"/>
+            <a:ext cx="6502891" cy="4114614"/>
           </a:xfrm>
-          <a:prstGeom prst="straightConnector1">
+          <a:prstGeom prst="rect">
             <a:avLst/>
           </a:prstGeom>
-          <a:ln>
-            <a:solidFill>
-              <a:srgbClr val="FF0000"/>
-            </a:solidFill>
-            <a:tailEnd type="triangle"/>
-          </a:ln>
         </p:spPr>
-        <p:style>
-          <a:lnRef idx="3">
-            <a:schemeClr val="accent2"/>
-          </a:lnRef>
-          <a:fillRef idx="0">
-            <a:schemeClr val="accent2"/>
-          </a:fillRef>
-          <a:effectRef idx="2">
-            <a:schemeClr val="accent2"/>
-          </a:effectRef>
-          <a:fontRef idx="minor">
-            <a:schemeClr val="tx1"/>
-          </a:fontRef>
-        </p:style>
-      </p:cxnSp>
+      </p:pic>
     </p:spTree>
     <p:extLst>
       <p:ext uri="{BB962C8B-B14F-4D97-AF65-F5344CB8AC3E}">
@@ -1907,19 +1728,7 @@
               <a:rPr lang="en-US" dirty="0">
                 <a:sym typeface="Wingdings" panose="05000000000000000000" pitchFamily="2" charset="2"/>
               </a:rPr>
-              <a:t>lower part of </a:t>
-            </a:r>
-            <a:r>
-              <a:rPr lang="en-US">
-                <a:sym typeface="Wingdings" panose="05000000000000000000" pitchFamily="2" charset="2"/>
-              </a:rPr>
-              <a:t>webpage containing </a:t>
-            </a:r>
-            <a:r>
-              <a:rPr lang="en-US" dirty="0">
-                <a:sym typeface="Wingdings" panose="05000000000000000000" pitchFamily="2" charset="2"/>
-              </a:rPr>
-              <a:t>bubble chart </a:t>
+              <a:t>lower part of webpage containing correlation analysis</a:t>
             </a:r>
             <a:endParaRPr lang="es-ES" dirty="0"/>
           </a:p>
@@ -1956,10 +1765,10 @@
       </p:sp>
       <p:pic>
         <p:nvPicPr>
-          <p:cNvPr id="10" name="Picture 9">
+          <p:cNvPr id="5" name="Picture 4">
             <a:extLst>
               <a:ext uri="{FF2B5EF4-FFF2-40B4-BE49-F238E27FC236}">
-                <a16:creationId xmlns:a16="http://schemas.microsoft.com/office/drawing/2014/main" id="{9958FB07-3A80-4489-99DF-5B7DCA663AA8}"/>
+                <a16:creationId xmlns:a16="http://schemas.microsoft.com/office/drawing/2014/main" id="{ABC11948-C191-4E15-9713-F218E2061959}"/>
               </a:ext>
             </a:extLst>
           </p:cNvPr>
@@ -1976,8 +1785,8 @@
         </p:blipFill>
         <p:spPr>
           <a:xfrm>
-            <a:off x="1220958" y="498348"/>
-            <a:ext cx="6048522" cy="4542759"/>
+            <a:off x="784749" y="553479"/>
+            <a:ext cx="5794009" cy="4036541"/>
           </a:xfrm>
           <a:prstGeom prst="rect">
             <a:avLst/>

--- a/Homework/16-D3/D3-Challenge-DOMAICA/README.pptx
+++ b/Homework/16-D3/D3-Challenge-DOMAICA/README.pptx
@@ -5,7 +5,7 @@
     <p:sldMasterId id="2147483648" r:id="rId1"/>
   </p:sldMasterIdLst>
   <p:notesMasterIdLst>
-    <p:notesMasterId r:id="rId9"/>
+    <p:notesMasterId r:id="rId7"/>
   </p:notesMasterIdLst>
   <p:sldIdLst>
     <p:sldId id="641" r:id="rId2"/>
@@ -13,8 +13,6 @@
     <p:sldId id="630" r:id="rId4"/>
     <p:sldId id="647" r:id="rId5"/>
     <p:sldId id="648" r:id="rId6"/>
-    <p:sldId id="649" r:id="rId7"/>
-    <p:sldId id="650" r:id="rId8"/>
   </p:sldIdLst>
   <p:sldSz cx="9144000" cy="5143500" type="screen16x9"/>
   <p:notesSz cx="6858000" cy="9144000"/>
@@ -130,6 +128,64 @@
     </p:ext>
   </p:extLst>
 </p:presentation>
+</file>
+
+<file path=ppt/ink/ink1.xml><?xml version="1.0" encoding="utf-8"?>
+<inkml:ink xmlns:inkml="http://www.w3.org/2003/InkML">
+  <inkml:definitions>
+    <inkml:context xml:id="ctx0">
+      <inkml:inkSource xml:id="inkSrc0">
+        <inkml:traceFormat>
+          <inkml:channel name="X" type="integer" min="-2.14748E9" max="2.14748E9" units="cm"/>
+          <inkml:channel name="Y" type="integer" min="-2.14748E9" max="2.14748E9" units="cm"/>
+        </inkml:traceFormat>
+        <inkml:channelProperties>
+          <inkml:channelProperty channel="X" name="resolution" value="1000" units="1/cm"/>
+          <inkml:channelProperty channel="Y" name="resolution" value="1000" units="1/cm"/>
+        </inkml:channelProperties>
+      </inkml:inkSource>
+      <inkml:timestamp xml:id="ts0" timeString="2021-05-28T13:11:28.627"/>
+    </inkml:context>
+    <inkml:brush xml:id="br0">
+      <inkml:brushProperty name="width" value="0.2" units="cm"/>
+      <inkml:brushProperty name="height" value="0.4" units="cm"/>
+      <inkml:brushProperty name="color" value="#FFFC00"/>
+      <inkml:brushProperty name="tip" value="rectangle"/>
+      <inkml:brushProperty name="rasterOp" value="maskPen"/>
+      <inkml:brushProperty name="ignorePressure" value="1"/>
+    </inkml:brush>
+  </inkml:definitions>
+  <inkml:trace contextRef="#ctx0" brushRef="#br0">1 22,'112'2,"120"-5,-176-7,-39 7,-1 0,29-1,114 8,263 42,-359-40,93-1,-92-5,76 9,-64-2,128-5,-108-4,-76 1,0-2,0 0,0-1,28-10,-48 13,17-4</inkml:trace>
+</inkml:ink>
+</file>
+
+<file path=ppt/ink/ink2.xml><?xml version="1.0" encoding="utf-8"?>
+<inkml:ink xmlns:inkml="http://www.w3.org/2003/InkML">
+  <inkml:definitions>
+    <inkml:context xml:id="ctx0">
+      <inkml:inkSource xml:id="inkSrc0">
+        <inkml:traceFormat>
+          <inkml:channel name="X" type="integer" min="-2.14748E9" max="2.14748E9" units="cm"/>
+          <inkml:channel name="Y" type="integer" min="-2.14748E9" max="2.14748E9" units="cm"/>
+        </inkml:traceFormat>
+        <inkml:channelProperties>
+          <inkml:channelProperty channel="X" name="resolution" value="1000" units="1/cm"/>
+          <inkml:channelProperty channel="Y" name="resolution" value="1000" units="1/cm"/>
+        </inkml:channelProperties>
+      </inkml:inkSource>
+      <inkml:timestamp xml:id="ts0" timeString="2021-05-28T13:11:30.907"/>
+    </inkml:context>
+    <inkml:brush xml:id="br0">
+      <inkml:brushProperty name="width" value="0.2" units="cm"/>
+      <inkml:brushProperty name="height" value="0.4" units="cm"/>
+      <inkml:brushProperty name="color" value="#FFFC00"/>
+      <inkml:brushProperty name="tip" value="rectangle"/>
+      <inkml:brushProperty name="rasterOp" value="maskPen"/>
+      <inkml:brushProperty name="ignorePressure" value="1"/>
+    </inkml:brush>
+  </inkml:definitions>
+  <inkml:trace contextRef="#ctx0" brushRef="#br0">1 1,'422'0,"-399"1,1 2,-1 0,29 9,-27-6,-1-1,49 3,313-8,-370 0</inkml:trace>
+</inkml:ink>
 </file>
 
 <file path=ppt/notesMasters/notesMaster1.xml><?xml version="1.0" encoding="utf-8"?>
@@ -1786,7 +1842,7 @@
         <p:spPr>
           <a:xfrm>
             <a:off x="784749" y="553479"/>
-            <a:ext cx="5794009" cy="4036541"/>
+            <a:ext cx="6330652" cy="4410407"/>
           </a:xfrm>
           <a:prstGeom prst="rect">
             <a:avLst/>
@@ -1854,7 +1910,7 @@
               <a:rPr lang="en-US" dirty="0">
                 <a:sym typeface="Wingdings" panose="05000000000000000000" pitchFamily="2" charset="2"/>
               </a:rPr>
-              <a:t>hovering over bubble chart data</a:t>
+              <a:t>correlation calculations. Used for analysis</a:t>
             </a:r>
             <a:endParaRPr lang="es-ES" dirty="0"/>
           </a:p>
@@ -1891,10 +1947,10 @@
       </p:sp>
       <p:pic>
         <p:nvPicPr>
-          <p:cNvPr id="5" name="Picture 4">
+          <p:cNvPr id="6" name="Picture 5">
             <a:extLst>
               <a:ext uri="{FF2B5EF4-FFF2-40B4-BE49-F238E27FC236}">
-                <a16:creationId xmlns:a16="http://schemas.microsoft.com/office/drawing/2014/main" id="{A4026A46-1E67-45B3-BFE8-576D535EC126}"/>
+                <a16:creationId xmlns:a16="http://schemas.microsoft.com/office/drawing/2014/main" id="{8CAA8B0A-BFE1-44C3-842C-E7EFAA4439DF}"/>
               </a:ext>
             </a:extLst>
           </p:cNvPr>
@@ -1911,58 +1967,14 @@
         </p:blipFill>
         <p:spPr>
           <a:xfrm>
-            <a:off x="1056233" y="460145"/>
-            <a:ext cx="5853583" cy="4407949"/>
+            <a:off x="793599" y="546953"/>
+            <a:ext cx="4229211" cy="4076807"/>
           </a:xfrm>
           <a:prstGeom prst="rect">
             <a:avLst/>
           </a:prstGeom>
         </p:spPr>
       </p:pic>
-      <p:cxnSp>
-        <p:nvCxnSpPr>
-          <p:cNvPr id="7" name="Straight Arrow Connector 6">
-            <a:extLst>
-              <a:ext uri="{FF2B5EF4-FFF2-40B4-BE49-F238E27FC236}">
-                <a16:creationId xmlns:a16="http://schemas.microsoft.com/office/drawing/2014/main" id="{8BA1D968-7E7A-4763-AC19-08810E9D6A81}"/>
-              </a:ext>
-            </a:extLst>
-          </p:cNvPr>
-          <p:cNvCxnSpPr>
-            <a:cxnSpLocks/>
-          </p:cNvCxnSpPr>
-          <p:nvPr/>
-        </p:nvCxnSpPr>
-        <p:spPr>
-          <a:xfrm>
-            <a:off x="2962656" y="2496312"/>
-            <a:ext cx="594360" cy="475488"/>
-          </a:xfrm>
-          <a:prstGeom prst="straightConnector1">
-            <a:avLst/>
-          </a:prstGeom>
-          <a:ln>
-            <a:solidFill>
-              <a:srgbClr val="FF0000"/>
-            </a:solidFill>
-            <a:tailEnd type="triangle"/>
-          </a:ln>
-        </p:spPr>
-        <p:style>
-          <a:lnRef idx="3">
-            <a:schemeClr val="accent2"/>
-          </a:lnRef>
-          <a:fillRef idx="0">
-            <a:schemeClr val="accent2"/>
-          </a:fillRef>
-          <a:effectRef idx="2">
-            <a:schemeClr val="accent2"/>
-          </a:effectRef>
-          <a:fontRef idx="minor">
-            <a:schemeClr val="tx1"/>
-          </a:fontRef>
-        </p:style>
-      </p:cxnSp>
       <p:sp>
         <p:nvSpPr>
           <p:cNvPr id="9" name="Rectangle: Rounded Corners 8">
@@ -1977,42 +1989,42 @@
         </p:nvSpPr>
         <p:spPr>
           <a:xfrm>
-            <a:off x="3970087" y="3090672"/>
-            <a:ext cx="2449002" cy="231854"/>
+            <a:off x="3100710" y="2197093"/>
+            <a:ext cx="1922100" cy="1577385"/>
           </a:xfrm>
           <a:custGeom>
             <a:avLst/>
             <a:gdLst>
-              <a:gd name="connsiteX0" fmla="*/ 0 w 2449002"/>
-              <a:gd name="connsiteY0" fmla="*/ 38643 h 231854"/>
-              <a:gd name="connsiteX1" fmla="*/ 38643 w 2449002"/>
-              <a:gd name="connsiteY1" fmla="*/ 0 h 231854"/>
-              <a:gd name="connsiteX2" fmla="*/ 679006 w 2449002"/>
-              <a:gd name="connsiteY2" fmla="*/ 0 h 231854"/>
-              <a:gd name="connsiteX3" fmla="*/ 1248218 w 2449002"/>
-              <a:gd name="connsiteY3" fmla="*/ 0 h 231854"/>
-              <a:gd name="connsiteX4" fmla="*/ 1793713 w 2449002"/>
-              <a:gd name="connsiteY4" fmla="*/ 0 h 231854"/>
-              <a:gd name="connsiteX5" fmla="*/ 2410359 w 2449002"/>
-              <a:gd name="connsiteY5" fmla="*/ 0 h 231854"/>
-              <a:gd name="connsiteX6" fmla="*/ 2449002 w 2449002"/>
-              <a:gd name="connsiteY6" fmla="*/ 38643 h 231854"/>
-              <a:gd name="connsiteX7" fmla="*/ 2449002 w 2449002"/>
-              <a:gd name="connsiteY7" fmla="*/ 193211 h 231854"/>
-              <a:gd name="connsiteX8" fmla="*/ 2410359 w 2449002"/>
-              <a:gd name="connsiteY8" fmla="*/ 231854 h 231854"/>
-              <a:gd name="connsiteX9" fmla="*/ 1864864 w 2449002"/>
-              <a:gd name="connsiteY9" fmla="*/ 231854 h 231854"/>
-              <a:gd name="connsiteX10" fmla="*/ 1271935 w 2449002"/>
-              <a:gd name="connsiteY10" fmla="*/ 231854 h 231854"/>
-              <a:gd name="connsiteX11" fmla="*/ 702723 w 2449002"/>
-              <a:gd name="connsiteY11" fmla="*/ 231854 h 231854"/>
-              <a:gd name="connsiteX12" fmla="*/ 38643 w 2449002"/>
-              <a:gd name="connsiteY12" fmla="*/ 231854 h 231854"/>
-              <a:gd name="connsiteX13" fmla="*/ 0 w 2449002"/>
-              <a:gd name="connsiteY13" fmla="*/ 193211 h 231854"/>
-              <a:gd name="connsiteX14" fmla="*/ 0 w 2449002"/>
-              <a:gd name="connsiteY14" fmla="*/ 38643 h 231854"/>
+              <a:gd name="connsiteX0" fmla="*/ 0 w 1922100"/>
+              <a:gd name="connsiteY0" fmla="*/ 262903 h 1577385"/>
+              <a:gd name="connsiteX1" fmla="*/ 262903 w 1922100"/>
+              <a:gd name="connsiteY1" fmla="*/ 0 h 1577385"/>
+              <a:gd name="connsiteX2" fmla="*/ 756260 w 1922100"/>
+              <a:gd name="connsiteY2" fmla="*/ 0 h 1577385"/>
+              <a:gd name="connsiteX3" fmla="*/ 1207729 w 1922100"/>
+              <a:gd name="connsiteY3" fmla="*/ 0 h 1577385"/>
+              <a:gd name="connsiteX4" fmla="*/ 1659197 w 1922100"/>
+              <a:gd name="connsiteY4" fmla="*/ 0 h 1577385"/>
+              <a:gd name="connsiteX5" fmla="*/ 1922100 w 1922100"/>
+              <a:gd name="connsiteY5" fmla="*/ 262903 h 1577385"/>
+              <a:gd name="connsiteX6" fmla="*/ 1922100 w 1922100"/>
+              <a:gd name="connsiteY6" fmla="*/ 767661 h 1577385"/>
+              <a:gd name="connsiteX7" fmla="*/ 1922100 w 1922100"/>
+              <a:gd name="connsiteY7" fmla="*/ 1314482 h 1577385"/>
+              <a:gd name="connsiteX8" fmla="*/ 1659197 w 1922100"/>
+              <a:gd name="connsiteY8" fmla="*/ 1577385 h 1577385"/>
+              <a:gd name="connsiteX9" fmla="*/ 1221692 w 1922100"/>
+              <a:gd name="connsiteY9" fmla="*/ 1577385 h 1577385"/>
+              <a:gd name="connsiteX10" fmla="*/ 756260 w 1922100"/>
+              <a:gd name="connsiteY10" fmla="*/ 1577385 h 1577385"/>
+              <a:gd name="connsiteX11" fmla="*/ 262903 w 1922100"/>
+              <a:gd name="connsiteY11" fmla="*/ 1577385 h 1577385"/>
+              <a:gd name="connsiteX12" fmla="*/ 0 w 1922100"/>
+              <a:gd name="connsiteY12" fmla="*/ 1314482 h 1577385"/>
+              <a:gd name="connsiteX13" fmla="*/ 0 w 1922100"/>
+              <a:gd name="connsiteY13" fmla="*/ 788693 h 1577385"/>
+              <a:gd name="connsiteX14" fmla="*/ 0 w 1922100"/>
+              <a:gd name="connsiteY14" fmla="*/ 262903 h 1577385"/>
             </a:gdLst>
             <a:ahLst/>
             <a:cxnLst>
@@ -2064,79 +2076,79 @@
             </a:cxnLst>
             <a:rect l="l" t="t" r="r" b="b"/>
             <a:pathLst>
-              <a:path w="2449002" h="231854" extrusionOk="0">
+              <a:path w="1922100" h="1577385" extrusionOk="0">
                 <a:moveTo>
-                  <a:pt x="0" y="38643"/>
+                  <a:pt x="0" y="262903"/>
                 </a:moveTo>
                 <a:cubicBezTo>
-                  <a:pt x="-3986" y="14842"/>
-                  <a:pt x="15534" y="663"/>
-                  <a:pt x="38643" y="0"/>
+                  <a:pt x="-20638" y="104976"/>
+                  <a:pt x="97027" y="7761"/>
+                  <a:pt x="262903" y="0"/>
                 </a:cubicBezTo>
                 <a:cubicBezTo>
-                  <a:pt x="280432" y="-54949"/>
-                  <a:pt x="377416" y="53732"/>
-                  <a:pt x="679006" y="0"/>
+                  <a:pt x="475144" y="-56407"/>
+                  <a:pt x="583595" y="12813"/>
+                  <a:pt x="756260" y="0"/>
                 </a:cubicBezTo>
                 <a:cubicBezTo>
-                  <a:pt x="980596" y="-53732"/>
-                  <a:pt x="1123785" y="43567"/>
-                  <a:pt x="1248218" y="0"/>
+                  <a:pt x="928925" y="-12813"/>
+                  <a:pt x="1096205" y="40506"/>
+                  <a:pt x="1207729" y="0"/>
                 </a:cubicBezTo>
                 <a:cubicBezTo>
-                  <a:pt x="1372651" y="-43567"/>
-                  <a:pt x="1573561" y="45899"/>
-                  <a:pt x="1793713" y="0"/>
+                  <a:pt x="1319253" y="-40506"/>
+                  <a:pt x="1558847" y="35842"/>
+                  <a:pt x="1659197" y="0"/>
                 </a:cubicBezTo>
                 <a:cubicBezTo>
-                  <a:pt x="2013865" y="-45899"/>
-                  <a:pt x="2268519" y="51218"/>
-                  <a:pt x="2410359" y="0"/>
+                  <a:pt x="1798483" y="-19038"/>
+                  <a:pt x="1931010" y="84735"/>
+                  <a:pt x="1922100" y="262903"/>
                 </a:cubicBezTo>
                 <a:cubicBezTo>
-                  <a:pt x="2431940" y="-493"/>
-                  <a:pt x="2446425" y="16906"/>
-                  <a:pt x="2449002" y="38643"/>
+                  <a:pt x="1940587" y="401637"/>
+                  <a:pt x="1902856" y="568027"/>
+                  <a:pt x="1922100" y="767661"/>
                 </a:cubicBezTo>
                 <a:cubicBezTo>
-                  <a:pt x="2454859" y="80427"/>
-                  <a:pt x="2448672" y="157924"/>
-                  <a:pt x="2449002" y="193211"/>
+                  <a:pt x="1941344" y="967295"/>
+                  <a:pt x="1868854" y="1080565"/>
+                  <a:pt x="1922100" y="1314482"/>
                 </a:cubicBezTo>
                 <a:cubicBezTo>
-                  <a:pt x="2447106" y="217689"/>
-                  <a:pt x="2430694" y="230686"/>
-                  <a:pt x="2410359" y="231854"/>
+                  <a:pt x="1902252" y="1492512"/>
+                  <a:pt x="1781720" y="1551086"/>
+                  <a:pt x="1659197" y="1577385"/>
                 </a:cubicBezTo>
                 <a:cubicBezTo>
-                  <a:pt x="2268904" y="294529"/>
-                  <a:pt x="2031484" y="206193"/>
-                  <a:pt x="1864864" y="231854"/>
+                  <a:pt x="1443437" y="1591435"/>
+                  <a:pt x="1398248" y="1550865"/>
+                  <a:pt x="1221692" y="1577385"/>
                 </a:cubicBezTo>
                 <a:cubicBezTo>
-                  <a:pt x="1698245" y="257515"/>
-                  <a:pt x="1410335" y="218815"/>
-                  <a:pt x="1271935" y="231854"/>
+                  <a:pt x="1045136" y="1603905"/>
+                  <a:pt x="857124" y="1547037"/>
+                  <a:pt x="756260" y="1577385"/>
                 </a:cubicBezTo>
                 <a:cubicBezTo>
-                  <a:pt x="1133535" y="244893"/>
-                  <a:pt x="833344" y="165833"/>
-                  <a:pt x="702723" y="231854"/>
+                  <a:pt x="655396" y="1607733"/>
+                  <a:pt x="378452" y="1527192"/>
+                  <a:pt x="262903" y="1577385"/>
                 </a:cubicBezTo>
                 <a:cubicBezTo>
-                  <a:pt x="572102" y="297875"/>
-                  <a:pt x="277263" y="158384"/>
-                  <a:pt x="38643" y="231854"/>
+                  <a:pt x="125913" y="1587438"/>
+                  <a:pt x="3524" y="1456593"/>
+                  <a:pt x="0" y="1314482"/>
                 </a:cubicBezTo>
                 <a:cubicBezTo>
-                  <a:pt x="18159" y="230788"/>
-                  <a:pt x="-1553" y="213953"/>
-                  <a:pt x="0" y="193211"/>
+                  <a:pt x="-56113" y="1111251"/>
+                  <a:pt x="55679" y="895284"/>
+                  <a:pt x="0" y="788693"/>
                 </a:cubicBezTo>
                 <a:cubicBezTo>
-                  <a:pt x="-17135" y="152937"/>
-                  <a:pt x="15396" y="97884"/>
-                  <a:pt x="0" y="38643"/>
+                  <a:pt x="-55679" y="682102"/>
+                  <a:pt x="23515" y="475782"/>
+                  <a:pt x="0" y="262903"/>
                 </a:cubicBezTo>
                 <a:close/>
               </a:path>
@@ -2147,6 +2159,7 @@
             <a:solidFill>
               <a:srgbClr val="FF0000"/>
             </a:solidFill>
+            <a:prstDash val="sysDot"/>
             <a:extLst>
               <a:ext uri="{C807C97D-BFC1-408E-A445-0C87EB9F89A2}">
                 <ask:lineSketchStyleProps xmlns:ask="http://schemas.microsoft.com/office/drawing/2018/sketchyshapes" sd="1219033472">
@@ -2186,1302 +2199,12 @@
           </a:p>
         </p:txBody>
       </p:sp>
-      <p:sp>
-        <p:nvSpPr>
-          <p:cNvPr id="11" name="Rectangle: Rounded Corners 10">
+      <p:cxnSp>
+        <p:nvCxnSpPr>
+          <p:cNvPr id="7" name="Straight Arrow Connector 6">
             <a:extLst>
               <a:ext uri="{FF2B5EF4-FFF2-40B4-BE49-F238E27FC236}">
-                <a16:creationId xmlns:a16="http://schemas.microsoft.com/office/drawing/2014/main" id="{FD21C7D3-2E86-4E1C-A8A5-4108C31AD8EC}"/>
-              </a:ext>
-            </a:extLst>
-          </p:cNvPr>
-          <p:cNvSpPr/>
-          <p:nvPr/>
-        </p:nvSpPr>
-        <p:spPr>
-          <a:xfrm>
-            <a:off x="3465576" y="4285488"/>
-            <a:ext cx="393192" cy="231854"/>
-          </a:xfrm>
-          <a:custGeom>
-            <a:avLst/>
-            <a:gdLst>
-              <a:gd name="connsiteX0" fmla="*/ 0 w 393192"/>
-              <a:gd name="connsiteY0" fmla="*/ 38643 h 231854"/>
-              <a:gd name="connsiteX1" fmla="*/ 38643 w 393192"/>
-              <a:gd name="connsiteY1" fmla="*/ 0 h 231854"/>
-              <a:gd name="connsiteX2" fmla="*/ 354549 w 393192"/>
-              <a:gd name="connsiteY2" fmla="*/ 0 h 231854"/>
-              <a:gd name="connsiteX3" fmla="*/ 393192 w 393192"/>
-              <a:gd name="connsiteY3" fmla="*/ 38643 h 231854"/>
-              <a:gd name="connsiteX4" fmla="*/ 393192 w 393192"/>
-              <a:gd name="connsiteY4" fmla="*/ 193211 h 231854"/>
-              <a:gd name="connsiteX5" fmla="*/ 354549 w 393192"/>
-              <a:gd name="connsiteY5" fmla="*/ 231854 h 231854"/>
-              <a:gd name="connsiteX6" fmla="*/ 38643 w 393192"/>
-              <a:gd name="connsiteY6" fmla="*/ 231854 h 231854"/>
-              <a:gd name="connsiteX7" fmla="*/ 0 w 393192"/>
-              <a:gd name="connsiteY7" fmla="*/ 193211 h 231854"/>
-              <a:gd name="connsiteX8" fmla="*/ 0 w 393192"/>
-              <a:gd name="connsiteY8" fmla="*/ 38643 h 231854"/>
-            </a:gdLst>
-            <a:ahLst/>
-            <a:cxnLst>
-              <a:cxn ang="0">
-                <a:pos x="connsiteX0" y="connsiteY0"/>
-              </a:cxn>
-              <a:cxn ang="0">
-                <a:pos x="connsiteX1" y="connsiteY1"/>
-              </a:cxn>
-              <a:cxn ang="0">
-                <a:pos x="connsiteX2" y="connsiteY2"/>
-              </a:cxn>
-              <a:cxn ang="0">
-                <a:pos x="connsiteX3" y="connsiteY3"/>
-              </a:cxn>
-              <a:cxn ang="0">
-                <a:pos x="connsiteX4" y="connsiteY4"/>
-              </a:cxn>
-              <a:cxn ang="0">
-                <a:pos x="connsiteX5" y="connsiteY5"/>
-              </a:cxn>
-              <a:cxn ang="0">
-                <a:pos x="connsiteX6" y="connsiteY6"/>
-              </a:cxn>
-              <a:cxn ang="0">
-                <a:pos x="connsiteX7" y="connsiteY7"/>
-              </a:cxn>
-              <a:cxn ang="0">
-                <a:pos x="connsiteX8" y="connsiteY8"/>
-              </a:cxn>
-            </a:cxnLst>
-            <a:rect l="l" t="t" r="r" b="b"/>
-            <a:pathLst>
-              <a:path w="393192" h="231854" extrusionOk="0">
-                <a:moveTo>
-                  <a:pt x="0" y="38643"/>
-                </a:moveTo>
-                <a:cubicBezTo>
-                  <a:pt x="-3986" y="14842"/>
-                  <a:pt x="15534" y="663"/>
-                  <a:pt x="38643" y="0"/>
-                </a:cubicBezTo>
-                <a:cubicBezTo>
-                  <a:pt x="184997" y="-35048"/>
-                  <a:pt x="243279" y="37277"/>
-                  <a:pt x="354549" y="0"/>
-                </a:cubicBezTo>
-                <a:cubicBezTo>
-                  <a:pt x="375222" y="-509"/>
-                  <a:pt x="391184" y="21423"/>
-                  <a:pt x="393192" y="38643"/>
-                </a:cubicBezTo>
-                <a:cubicBezTo>
-                  <a:pt x="407199" y="84841"/>
-                  <a:pt x="377041" y="161039"/>
-                  <a:pt x="393192" y="193211"/>
-                </a:cubicBezTo>
-                <a:cubicBezTo>
-                  <a:pt x="393431" y="214060"/>
-                  <a:pt x="373314" y="231459"/>
-                  <a:pt x="354549" y="231854"/>
-                </a:cubicBezTo>
-                <a:cubicBezTo>
-                  <a:pt x="252546" y="253371"/>
-                  <a:pt x="164075" y="205009"/>
-                  <a:pt x="38643" y="231854"/>
-                </a:cubicBezTo>
-                <a:cubicBezTo>
-                  <a:pt x="15405" y="234990"/>
-                  <a:pt x="-1007" y="213385"/>
-                  <a:pt x="0" y="193211"/>
-                </a:cubicBezTo>
-                <a:cubicBezTo>
-                  <a:pt x="-14460" y="125500"/>
-                  <a:pt x="36" y="105323"/>
-                  <a:pt x="0" y="38643"/>
-                </a:cubicBezTo>
-                <a:close/>
-              </a:path>
-            </a:pathLst>
-          </a:custGeom>
-          <a:noFill/>
-          <a:ln>
-            <a:solidFill>
-              <a:srgbClr val="FF0000"/>
-            </a:solidFill>
-            <a:extLst>
-              <a:ext uri="{C807C97D-BFC1-408E-A445-0C87EB9F89A2}">
-                <ask:lineSketchStyleProps xmlns:ask="http://schemas.microsoft.com/office/drawing/2018/sketchyshapes" sd="1219033472">
-                  <a:prstGeom prst="roundRect">
-                    <a:avLst/>
-                  </a:prstGeom>
-                  <ask:type>
-                    <ask:lineSketchScribble/>
-                  </ask:type>
-                </ask:lineSketchStyleProps>
-              </a:ext>
-            </a:extLst>
-          </a:ln>
-        </p:spPr>
-        <p:style>
-          <a:lnRef idx="2">
-            <a:schemeClr val="accent1">
-              <a:shade val="50000"/>
-            </a:schemeClr>
-          </a:lnRef>
-          <a:fillRef idx="1">
-            <a:schemeClr val="accent1"/>
-          </a:fillRef>
-          <a:effectRef idx="0">
-            <a:schemeClr val="accent1"/>
-          </a:effectRef>
-          <a:fontRef idx="minor">
-            <a:schemeClr val="lt1"/>
-          </a:fontRef>
-        </p:style>
-        <p:txBody>
-          <a:bodyPr rtlCol="0" anchor="ctr"/>
-          <a:lstStyle/>
-          <a:p>
-            <a:pPr algn="ctr"/>
-            <a:endParaRPr lang="es-ES"/>
-          </a:p>
-        </p:txBody>
-      </p:sp>
-    </p:spTree>
-    <p:extLst>
-      <p:ext uri="{BB962C8B-B14F-4D97-AF65-F5344CB8AC3E}">
-        <p14:creationId xmlns:p14="http://schemas.microsoft.com/office/powerpoint/2010/main" val="3081649225"/>
-      </p:ext>
-    </p:extLst>
-  </p:cSld>
-  <p:clrMapOvr>
-    <a:masterClrMapping/>
-  </p:clrMapOvr>
-</p:sld>
-</file>
-
-<file path=ppt/slides/slide6.xml><?xml version="1.0" encoding="utf-8"?>
-<p:sld xmlns:a="http://schemas.openxmlformats.org/drawingml/2006/main" xmlns:r="http://schemas.openxmlformats.org/officeDocument/2006/relationships" xmlns:p="http://schemas.openxmlformats.org/presentationml/2006/main">
-  <p:cSld>
-    <p:spTree>
-      <p:nvGrpSpPr>
-        <p:cNvPr id="1" name=""/>
-        <p:cNvGrpSpPr/>
-        <p:nvPr/>
-      </p:nvGrpSpPr>
-      <p:grpSpPr>
-        <a:xfrm>
-          <a:off x="0" y="0"/>
-          <a:ext cx="0" cy="0"/>
-          <a:chOff x="0" y="0"/>
-          <a:chExt cx="0" cy="0"/>
-        </a:xfrm>
-      </p:grpSpPr>
-      <p:pic>
-        <p:nvPicPr>
-          <p:cNvPr id="5" name="Picture 4">
-            <a:extLst>
-              <a:ext uri="{FF2B5EF4-FFF2-40B4-BE49-F238E27FC236}">
-                <a16:creationId xmlns:a16="http://schemas.microsoft.com/office/drawing/2014/main" id="{8EA35907-0F47-467D-8B13-6BFF3CF4FAB7}"/>
-              </a:ext>
-            </a:extLst>
-          </p:cNvPr>
-          <p:cNvPicPr>
-            <a:picLocks noChangeAspect="1"/>
-          </p:cNvPicPr>
-          <p:nvPr/>
-        </p:nvPicPr>
-        <p:blipFill>
-          <a:blip r:embed="rId2"/>
-          <a:stretch>
-            <a:fillRect/>
-          </a:stretch>
-        </p:blipFill>
-        <p:spPr>
-          <a:xfrm>
-            <a:off x="991765" y="405211"/>
-            <a:ext cx="6749697" cy="4669110"/>
-          </a:xfrm>
-          <a:prstGeom prst="rect">
-            <a:avLst/>
-          </a:prstGeom>
-        </p:spPr>
-      </p:pic>
-      <p:sp>
-        <p:nvSpPr>
-          <p:cNvPr id="2" name="Title 1">
-            <a:extLst>
-              <a:ext uri="{FF2B5EF4-FFF2-40B4-BE49-F238E27FC236}">
-                <a16:creationId xmlns:a16="http://schemas.microsoft.com/office/drawing/2014/main" id="{E573BB41-E506-4710-8F8C-42B319918F82}"/>
-              </a:ext>
-            </a:extLst>
-          </p:cNvPr>
-          <p:cNvSpPr>
-            <a:spLocks noGrp="1"/>
-          </p:cNvSpPr>
-          <p:nvPr>
-            <p:ph type="title"/>
-          </p:nvPr>
-        </p:nvSpPr>
-        <p:spPr/>
-        <p:txBody>
-          <a:bodyPr>
-            <a:normAutofit fontScale="90000"/>
-          </a:bodyPr>
-          <a:lstStyle/>
-          <a:p>
-            <a:r>
-              <a:rPr lang="en-US" dirty="0"/>
-              <a:t>OPTIONAL Bonus gauge meter</a:t>
-            </a:r>
-            <a:endParaRPr lang="es-ES" dirty="0"/>
-          </a:p>
-        </p:txBody>
-      </p:sp>
-      <p:sp>
-        <p:nvSpPr>
-          <p:cNvPr id="3" name="Slide Number Placeholder 2">
-            <a:extLst>
-              <a:ext uri="{FF2B5EF4-FFF2-40B4-BE49-F238E27FC236}">
-                <a16:creationId xmlns:a16="http://schemas.microsoft.com/office/drawing/2014/main" id="{B3535E0C-0CF3-4438-A95D-C0FEF04BB684}"/>
-              </a:ext>
-            </a:extLst>
-          </p:cNvPr>
-          <p:cNvSpPr>
-            <a:spLocks noGrp="1"/>
-          </p:cNvSpPr>
-          <p:nvPr>
-            <p:ph type="sldNum" sz="quarter" idx="12"/>
-          </p:nvPr>
-        </p:nvSpPr>
-        <p:spPr/>
-        <p:txBody>
-          <a:bodyPr/>
-          <a:lstStyle/>
-          <a:p>
-            <a:fld id="{EDA4E73C-7A94-44D4-A65F-F6EB5CEC5634}" type="slidenum">
-              <a:rPr lang="en-US" smtClean="0"/>
-              <a:t>6</a:t>
-            </a:fld>
-            <a:endParaRPr lang="en-US"/>
-          </a:p>
-        </p:txBody>
-      </p:sp>
-      <p:sp>
-        <p:nvSpPr>
-          <p:cNvPr id="8" name="Rectangle: Rounded Corners 7">
-            <a:extLst>
-              <a:ext uri="{FF2B5EF4-FFF2-40B4-BE49-F238E27FC236}">
-                <a16:creationId xmlns:a16="http://schemas.microsoft.com/office/drawing/2014/main" id="{44051A9F-B320-434C-B2B5-BCC4CB6D6FA2}"/>
-              </a:ext>
-            </a:extLst>
-          </p:cNvPr>
-          <p:cNvSpPr/>
-          <p:nvPr/>
-        </p:nvSpPr>
-        <p:spPr>
-          <a:xfrm>
-            <a:off x="5279003" y="3161088"/>
-            <a:ext cx="2159951" cy="1707006"/>
-          </a:xfrm>
-          <a:custGeom>
-            <a:avLst/>
-            <a:gdLst>
-              <a:gd name="connsiteX0" fmla="*/ 0 w 2159951"/>
-              <a:gd name="connsiteY0" fmla="*/ 284507 h 1707006"/>
-              <a:gd name="connsiteX1" fmla="*/ 284507 w 2159951"/>
-              <a:gd name="connsiteY1" fmla="*/ 0 h 1707006"/>
-              <a:gd name="connsiteX2" fmla="*/ 846638 w 2159951"/>
-              <a:gd name="connsiteY2" fmla="*/ 0 h 1707006"/>
-              <a:gd name="connsiteX3" fmla="*/ 1361041 w 2159951"/>
-              <a:gd name="connsiteY3" fmla="*/ 0 h 1707006"/>
-              <a:gd name="connsiteX4" fmla="*/ 1875444 w 2159951"/>
-              <a:gd name="connsiteY4" fmla="*/ 0 h 1707006"/>
-              <a:gd name="connsiteX5" fmla="*/ 2159951 w 2159951"/>
-              <a:gd name="connsiteY5" fmla="*/ 284507 h 1707006"/>
-              <a:gd name="connsiteX6" fmla="*/ 2159951 w 2159951"/>
-              <a:gd name="connsiteY6" fmla="*/ 830743 h 1707006"/>
-              <a:gd name="connsiteX7" fmla="*/ 2159951 w 2159951"/>
-              <a:gd name="connsiteY7" fmla="*/ 1422499 h 1707006"/>
-              <a:gd name="connsiteX8" fmla="*/ 1875444 w 2159951"/>
-              <a:gd name="connsiteY8" fmla="*/ 1707006 h 1707006"/>
-              <a:gd name="connsiteX9" fmla="*/ 1376950 w 2159951"/>
-              <a:gd name="connsiteY9" fmla="*/ 1707006 h 1707006"/>
-              <a:gd name="connsiteX10" fmla="*/ 846638 w 2159951"/>
-              <a:gd name="connsiteY10" fmla="*/ 1707006 h 1707006"/>
-              <a:gd name="connsiteX11" fmla="*/ 284507 w 2159951"/>
-              <a:gd name="connsiteY11" fmla="*/ 1707006 h 1707006"/>
-              <a:gd name="connsiteX12" fmla="*/ 0 w 2159951"/>
-              <a:gd name="connsiteY12" fmla="*/ 1422499 h 1707006"/>
-              <a:gd name="connsiteX13" fmla="*/ 0 w 2159951"/>
-              <a:gd name="connsiteY13" fmla="*/ 853503 h 1707006"/>
-              <a:gd name="connsiteX14" fmla="*/ 0 w 2159951"/>
-              <a:gd name="connsiteY14" fmla="*/ 284507 h 1707006"/>
-            </a:gdLst>
-            <a:ahLst/>
-            <a:cxnLst>
-              <a:cxn ang="0">
-                <a:pos x="connsiteX0" y="connsiteY0"/>
-              </a:cxn>
-              <a:cxn ang="0">
-                <a:pos x="connsiteX1" y="connsiteY1"/>
-              </a:cxn>
-              <a:cxn ang="0">
-                <a:pos x="connsiteX2" y="connsiteY2"/>
-              </a:cxn>
-              <a:cxn ang="0">
-                <a:pos x="connsiteX3" y="connsiteY3"/>
-              </a:cxn>
-              <a:cxn ang="0">
-                <a:pos x="connsiteX4" y="connsiteY4"/>
-              </a:cxn>
-              <a:cxn ang="0">
-                <a:pos x="connsiteX5" y="connsiteY5"/>
-              </a:cxn>
-              <a:cxn ang="0">
-                <a:pos x="connsiteX6" y="connsiteY6"/>
-              </a:cxn>
-              <a:cxn ang="0">
-                <a:pos x="connsiteX7" y="connsiteY7"/>
-              </a:cxn>
-              <a:cxn ang="0">
-                <a:pos x="connsiteX8" y="connsiteY8"/>
-              </a:cxn>
-              <a:cxn ang="0">
-                <a:pos x="connsiteX9" y="connsiteY9"/>
-              </a:cxn>
-              <a:cxn ang="0">
-                <a:pos x="connsiteX10" y="connsiteY10"/>
-              </a:cxn>
-              <a:cxn ang="0">
-                <a:pos x="connsiteX11" y="connsiteY11"/>
-              </a:cxn>
-              <a:cxn ang="0">
-                <a:pos x="connsiteX12" y="connsiteY12"/>
-              </a:cxn>
-              <a:cxn ang="0">
-                <a:pos x="connsiteX13" y="connsiteY13"/>
-              </a:cxn>
-              <a:cxn ang="0">
-                <a:pos x="connsiteX14" y="connsiteY14"/>
-              </a:cxn>
-            </a:cxnLst>
-            <a:rect l="l" t="t" r="r" b="b"/>
-            <a:pathLst>
-              <a:path w="2159951" h="1707006" extrusionOk="0">
-                <a:moveTo>
-                  <a:pt x="0" y="284507"/>
-                </a:moveTo>
-                <a:cubicBezTo>
-                  <a:pt x="-10242" y="121060"/>
-                  <a:pt x="108249" y="7179"/>
-                  <a:pt x="284507" y="0"/>
-                </a:cubicBezTo>
-                <a:cubicBezTo>
-                  <a:pt x="439542" y="-45282"/>
-                  <a:pt x="620972" y="7167"/>
-                  <a:pt x="846638" y="0"/>
-                </a:cubicBezTo>
-                <a:cubicBezTo>
-                  <a:pt x="1072304" y="-7167"/>
-                  <a:pt x="1136782" y="38376"/>
-                  <a:pt x="1361041" y="0"/>
-                </a:cubicBezTo>
-                <a:cubicBezTo>
-                  <a:pt x="1585300" y="-38376"/>
-                  <a:pt x="1659844" y="57603"/>
-                  <a:pt x="1875444" y="0"/>
-                </a:cubicBezTo>
-                <a:cubicBezTo>
-                  <a:pt x="2020066" y="-40283"/>
-                  <a:pt x="2163077" y="115810"/>
-                  <a:pt x="2159951" y="284507"/>
-                </a:cubicBezTo>
-                <a:cubicBezTo>
-                  <a:pt x="2202157" y="460863"/>
-                  <a:pt x="2141216" y="698928"/>
-                  <a:pt x="2159951" y="830743"/>
-                </a:cubicBezTo>
-                <a:cubicBezTo>
-                  <a:pt x="2178686" y="962558"/>
-                  <a:pt x="2134141" y="1301542"/>
-                  <a:pt x="2159951" y="1422499"/>
-                </a:cubicBezTo>
-                <a:cubicBezTo>
-                  <a:pt x="2137015" y="1617570"/>
-                  <a:pt x="2020370" y="1692852"/>
-                  <a:pt x="1875444" y="1707006"/>
-                </a:cubicBezTo>
-                <a:cubicBezTo>
-                  <a:pt x="1650987" y="1739809"/>
-                  <a:pt x="1493008" y="1669492"/>
-                  <a:pt x="1376950" y="1707006"/>
-                </a:cubicBezTo>
-                <a:cubicBezTo>
-                  <a:pt x="1260892" y="1744520"/>
-                  <a:pt x="1103008" y="1680184"/>
-                  <a:pt x="846638" y="1707006"/>
-                </a:cubicBezTo>
-                <a:cubicBezTo>
-                  <a:pt x="590268" y="1733828"/>
-                  <a:pt x="545206" y="1645292"/>
-                  <a:pt x="284507" y="1707006"/>
-                </a:cubicBezTo>
-                <a:cubicBezTo>
-                  <a:pt x="142879" y="1725993"/>
-                  <a:pt x="6124" y="1574266"/>
-                  <a:pt x="0" y="1422499"/>
-                </a:cubicBezTo>
-                <a:cubicBezTo>
-                  <a:pt x="-47967" y="1221100"/>
-                  <a:pt x="46981" y="987650"/>
-                  <a:pt x="0" y="853503"/>
-                </a:cubicBezTo>
-                <a:cubicBezTo>
-                  <a:pt x="-46981" y="719356"/>
-                  <a:pt x="49585" y="437304"/>
-                  <a:pt x="0" y="284507"/>
-                </a:cubicBezTo>
-                <a:close/>
-              </a:path>
-            </a:pathLst>
-          </a:custGeom>
-          <a:noFill/>
-          <a:ln>
-            <a:solidFill>
-              <a:srgbClr val="FF0000"/>
-            </a:solidFill>
-            <a:extLst>
-              <a:ext uri="{C807C97D-BFC1-408E-A445-0C87EB9F89A2}">
-                <ask:lineSketchStyleProps xmlns:ask="http://schemas.microsoft.com/office/drawing/2018/sketchyshapes" sd="1219033472">
-                  <a:prstGeom prst="roundRect">
-                    <a:avLst/>
-                  </a:prstGeom>
-                  <ask:type>
-                    <ask:lineSketchScribble/>
-                  </ask:type>
-                </ask:lineSketchStyleProps>
-              </a:ext>
-            </a:extLst>
-          </a:ln>
-        </p:spPr>
-        <p:style>
-          <a:lnRef idx="2">
-            <a:schemeClr val="accent1">
-              <a:shade val="50000"/>
-            </a:schemeClr>
-          </a:lnRef>
-          <a:fillRef idx="1">
-            <a:schemeClr val="accent1"/>
-          </a:fillRef>
-          <a:effectRef idx="0">
-            <a:schemeClr val="accent1"/>
-          </a:effectRef>
-          <a:fontRef idx="minor">
-            <a:schemeClr val="lt1"/>
-          </a:fontRef>
-        </p:style>
-        <p:txBody>
-          <a:bodyPr rtlCol="0" anchor="ctr"/>
-          <a:lstStyle/>
-          <a:p>
-            <a:pPr algn="ctr"/>
-            <a:endParaRPr lang="es-ES"/>
-          </a:p>
-        </p:txBody>
-      </p:sp>
-    </p:spTree>
-    <p:extLst>
-      <p:ext uri="{BB962C8B-B14F-4D97-AF65-F5344CB8AC3E}">
-        <p14:creationId xmlns:p14="http://schemas.microsoft.com/office/powerpoint/2010/main" val="1094001924"/>
-      </p:ext>
-    </p:extLst>
-  </p:cSld>
-  <p:clrMapOvr>
-    <a:masterClrMapping/>
-  </p:clrMapOvr>
-</p:sld>
-</file>
-
-<file path=ppt/slides/slide7.xml><?xml version="1.0" encoding="utf-8"?>
-<p:sld xmlns:a="http://schemas.openxmlformats.org/drawingml/2006/main" xmlns:r="http://schemas.openxmlformats.org/officeDocument/2006/relationships" xmlns:p="http://schemas.openxmlformats.org/presentationml/2006/main">
-  <p:cSld>
-    <p:spTree>
-      <p:nvGrpSpPr>
-        <p:cNvPr id="1" name=""/>
-        <p:cNvGrpSpPr/>
-        <p:nvPr/>
-      </p:nvGrpSpPr>
-      <p:grpSpPr>
-        <a:xfrm>
-          <a:off x="0" y="0"/>
-          <a:ext cx="0" cy="0"/>
-          <a:chOff x="0" y="0"/>
-          <a:chExt cx="0" cy="0"/>
-        </a:xfrm>
-      </p:grpSpPr>
-      <p:pic>
-        <p:nvPicPr>
-          <p:cNvPr id="5" name="Picture 4">
-            <a:extLst>
-              <a:ext uri="{FF2B5EF4-FFF2-40B4-BE49-F238E27FC236}">
-                <a16:creationId xmlns:a16="http://schemas.microsoft.com/office/drawing/2014/main" id="{7C6CF5FA-45FC-41C7-8765-87E8386E7619}"/>
-              </a:ext>
-            </a:extLst>
-          </p:cNvPr>
-          <p:cNvPicPr>
-            <a:picLocks noChangeAspect="1"/>
-          </p:cNvPicPr>
-          <p:nvPr/>
-        </p:nvPicPr>
-        <p:blipFill>
-          <a:blip r:embed="rId2"/>
-          <a:stretch>
-            <a:fillRect/>
-          </a:stretch>
-        </p:blipFill>
-        <p:spPr>
-          <a:xfrm>
-            <a:off x="1994953" y="1026749"/>
-            <a:ext cx="3783360" cy="3106417"/>
-          </a:xfrm>
-          <a:prstGeom prst="rect">
-            <a:avLst/>
-          </a:prstGeom>
-        </p:spPr>
-      </p:pic>
-      <p:sp>
-        <p:nvSpPr>
-          <p:cNvPr id="2" name="Title 1">
-            <a:extLst>
-              <a:ext uri="{FF2B5EF4-FFF2-40B4-BE49-F238E27FC236}">
-                <a16:creationId xmlns:a16="http://schemas.microsoft.com/office/drawing/2014/main" id="{E573BB41-E506-4710-8F8C-42B319918F82}"/>
-              </a:ext>
-            </a:extLst>
-          </p:cNvPr>
-          <p:cNvSpPr>
-            <a:spLocks noGrp="1"/>
-          </p:cNvSpPr>
-          <p:nvPr>
-            <p:ph type="title"/>
-          </p:nvPr>
-        </p:nvSpPr>
-        <p:spPr/>
-        <p:txBody>
-          <a:bodyPr>
-            <a:normAutofit fontScale="90000"/>
-          </a:bodyPr>
-          <a:lstStyle/>
-          <a:p>
-            <a:r>
-              <a:rPr lang="en-US" dirty="0"/>
-              <a:t>OPTIONAL Bonus gauge meter. Detail</a:t>
-            </a:r>
-            <a:endParaRPr lang="es-ES" dirty="0"/>
-          </a:p>
-        </p:txBody>
-      </p:sp>
-      <p:sp>
-        <p:nvSpPr>
-          <p:cNvPr id="3" name="Slide Number Placeholder 2">
-            <a:extLst>
-              <a:ext uri="{FF2B5EF4-FFF2-40B4-BE49-F238E27FC236}">
-                <a16:creationId xmlns:a16="http://schemas.microsoft.com/office/drawing/2014/main" id="{B3535E0C-0CF3-4438-A95D-C0FEF04BB684}"/>
-              </a:ext>
-            </a:extLst>
-          </p:cNvPr>
-          <p:cNvSpPr>
-            <a:spLocks noGrp="1"/>
-          </p:cNvSpPr>
-          <p:nvPr>
-            <p:ph type="sldNum" sz="quarter" idx="12"/>
-          </p:nvPr>
-        </p:nvSpPr>
-        <p:spPr/>
-        <p:txBody>
-          <a:bodyPr/>
-          <a:lstStyle/>
-          <a:p>
-            <a:fld id="{EDA4E73C-7A94-44D4-A65F-F6EB5CEC5634}" type="slidenum">
-              <a:rPr lang="en-US" smtClean="0"/>
-              <a:t>7</a:t>
-            </a:fld>
-            <a:endParaRPr lang="en-US"/>
-          </a:p>
-        </p:txBody>
-      </p:sp>
-      <p:sp>
-        <p:nvSpPr>
-          <p:cNvPr id="6" name="TextBox 5">
-            <a:extLst>
-              <a:ext uri="{FF2B5EF4-FFF2-40B4-BE49-F238E27FC236}">
-                <a16:creationId xmlns:a16="http://schemas.microsoft.com/office/drawing/2014/main" id="{84E3D035-DDDE-41FA-B68A-E9FC08EB4029}"/>
-              </a:ext>
-            </a:extLst>
-          </p:cNvPr>
-          <p:cNvSpPr txBox="1"/>
-          <p:nvPr/>
-        </p:nvSpPr>
-        <p:spPr>
-          <a:xfrm>
-            <a:off x="5551713" y="1094462"/>
-            <a:ext cx="3426137" cy="430887"/>
-          </a:xfrm>
-          <a:prstGeom prst="rect">
-            <a:avLst/>
-          </a:prstGeom>
-          <a:noFill/>
-        </p:spPr>
-        <p:txBody>
-          <a:bodyPr wrap="square" rtlCol="0">
-            <a:spAutoFit/>
-          </a:bodyPr>
-          <a:lstStyle/>
-          <a:p>
-            <a:pPr marL="117475" indent="-117475">
-              <a:buFont typeface="Arial" panose="020B0604020202020204" pitchFamily="34" charset="0"/>
-              <a:buChar char="•"/>
-            </a:pPr>
-            <a:r>
-              <a:rPr lang="es-ES" sz="1100" dirty="0" err="1">
-                <a:latin typeface="Arial" panose="020B0604020202020204" pitchFamily="34" charset="0"/>
-                <a:cs typeface="Arial" panose="020B0604020202020204" pitchFamily="34" charset="0"/>
-              </a:rPr>
-              <a:t>Special</a:t>
-            </a:r>
-            <a:r>
-              <a:rPr lang="es-ES" sz="1100" dirty="0">
-                <a:latin typeface="Arial" panose="020B0604020202020204" pitchFamily="34" charset="0"/>
-                <a:cs typeface="Arial" panose="020B0604020202020204" pitchFamily="34" charset="0"/>
-              </a:rPr>
-              <a:t> </a:t>
-            </a:r>
-            <a:r>
-              <a:rPr lang="es-ES" sz="1100" dirty="0" err="1">
-                <a:latin typeface="Arial" panose="020B0604020202020204" pitchFamily="34" charset="0"/>
-                <a:cs typeface="Arial" panose="020B0604020202020204" pitchFamily="34" charset="0"/>
-              </a:rPr>
-              <a:t>type</a:t>
-            </a:r>
-            <a:r>
-              <a:rPr lang="es-ES" sz="1100" dirty="0">
-                <a:latin typeface="Arial" panose="020B0604020202020204" pitchFamily="34" charset="0"/>
-                <a:cs typeface="Arial" panose="020B0604020202020204" pitchFamily="34" charset="0"/>
-              </a:rPr>
-              <a:t> </a:t>
-            </a:r>
-            <a:r>
-              <a:rPr lang="es-ES" sz="1100" dirty="0" err="1">
-                <a:latin typeface="Arial" panose="020B0604020202020204" pitchFamily="34" charset="0"/>
-                <a:cs typeface="Arial" panose="020B0604020202020204" pitchFamily="34" charset="0"/>
-              </a:rPr>
-              <a:t>of</a:t>
-            </a:r>
-            <a:r>
-              <a:rPr lang="es-ES" sz="1100" dirty="0">
-                <a:latin typeface="Arial" panose="020B0604020202020204" pitchFamily="34" charset="0"/>
-                <a:cs typeface="Arial" panose="020B0604020202020204" pitchFamily="34" charset="0"/>
-              </a:rPr>
-              <a:t> gauge </a:t>
-            </a:r>
-            <a:r>
-              <a:rPr lang="es-ES" sz="1100" dirty="0" err="1">
-                <a:latin typeface="Arial" panose="020B0604020202020204" pitchFamily="34" charset="0"/>
-                <a:cs typeface="Arial" panose="020B0604020202020204" pitchFamily="34" charset="0"/>
-              </a:rPr>
-              <a:t>which</a:t>
-            </a:r>
-            <a:r>
-              <a:rPr lang="es-ES" sz="1100" dirty="0">
-                <a:latin typeface="Arial" panose="020B0604020202020204" pitchFamily="34" charset="0"/>
-                <a:cs typeface="Arial" panose="020B0604020202020204" pitchFamily="34" charset="0"/>
-              </a:rPr>
-              <a:t> </a:t>
-            </a:r>
-            <a:r>
-              <a:rPr lang="es-ES" sz="1100" dirty="0" err="1">
-                <a:latin typeface="Arial" panose="020B0604020202020204" pitchFamily="34" charset="0"/>
-                <a:cs typeface="Arial" panose="020B0604020202020204" pitchFamily="34" charset="0"/>
-              </a:rPr>
-              <a:t>contains</a:t>
-            </a:r>
-            <a:r>
-              <a:rPr lang="es-ES" sz="1100" dirty="0">
-                <a:latin typeface="Arial" panose="020B0604020202020204" pitchFamily="34" charset="0"/>
-                <a:cs typeface="Arial" panose="020B0604020202020204" pitchFamily="34" charset="0"/>
-              </a:rPr>
-              <a:t> </a:t>
-            </a:r>
-            <a:r>
-              <a:rPr lang="es-ES" sz="1100" dirty="0" err="1">
-                <a:latin typeface="Arial" panose="020B0604020202020204" pitchFamily="34" charset="0"/>
-                <a:cs typeface="Arial" panose="020B0604020202020204" pitchFamily="34" charset="0"/>
-              </a:rPr>
-              <a:t>frequency</a:t>
-            </a:r>
-            <a:r>
-              <a:rPr lang="es-ES" sz="1100" dirty="0">
-                <a:latin typeface="Arial" panose="020B0604020202020204" pitchFamily="34" charset="0"/>
-                <a:cs typeface="Arial" panose="020B0604020202020204" pitchFamily="34" charset="0"/>
-              </a:rPr>
-              <a:t> </a:t>
-            </a:r>
-            <a:r>
-              <a:rPr lang="es-ES" sz="1100" dirty="0" err="1">
-                <a:latin typeface="Arial" panose="020B0604020202020204" pitchFamily="34" charset="0"/>
-                <a:cs typeface="Arial" panose="020B0604020202020204" pitchFamily="34" charset="0"/>
-              </a:rPr>
-              <a:t>or</a:t>
-            </a:r>
-            <a:r>
-              <a:rPr lang="es-ES" sz="1100" dirty="0">
-                <a:latin typeface="Arial" panose="020B0604020202020204" pitchFamily="34" charset="0"/>
-                <a:cs typeface="Arial" panose="020B0604020202020204" pitchFamily="34" charset="0"/>
-              </a:rPr>
-              <a:t> </a:t>
-            </a:r>
-            <a:r>
-              <a:rPr lang="es-ES" sz="1100" dirty="0" err="1">
-                <a:latin typeface="Arial" panose="020B0604020202020204" pitchFamily="34" charset="0"/>
-                <a:cs typeface="Arial" panose="020B0604020202020204" pitchFamily="34" charset="0"/>
-              </a:rPr>
-              <a:t>measurement</a:t>
-            </a:r>
-            <a:r>
-              <a:rPr lang="es-ES" sz="1100" dirty="0">
-                <a:latin typeface="Arial" panose="020B0604020202020204" pitchFamily="34" charset="0"/>
-                <a:cs typeface="Arial" panose="020B0604020202020204" pitchFamily="34" charset="0"/>
-              </a:rPr>
-              <a:t> in center</a:t>
-            </a:r>
-          </a:p>
-        </p:txBody>
-      </p:sp>
-      <p:pic>
-        <p:nvPicPr>
-          <p:cNvPr id="15" name="Picture 14">
-            <a:extLst>
-              <a:ext uri="{FF2B5EF4-FFF2-40B4-BE49-F238E27FC236}">
-                <a16:creationId xmlns:a16="http://schemas.microsoft.com/office/drawing/2014/main" id="{CFCDC114-07DF-436F-860E-F1FC1E01B6F0}"/>
-              </a:ext>
-            </a:extLst>
-          </p:cNvPr>
-          <p:cNvPicPr>
-            <a:picLocks noChangeAspect="1"/>
-          </p:cNvPicPr>
-          <p:nvPr/>
-        </p:nvPicPr>
-        <p:blipFill>
-          <a:blip r:embed="rId3"/>
-          <a:stretch>
-            <a:fillRect/>
-          </a:stretch>
-        </p:blipFill>
-        <p:spPr>
-          <a:xfrm>
-            <a:off x="5778313" y="1525349"/>
-            <a:ext cx="2696269" cy="351539"/>
-          </a:xfrm>
-          <a:prstGeom prst="rect">
-            <a:avLst/>
-          </a:prstGeom>
-        </p:spPr>
-      </p:pic>
-      <p:pic>
-        <p:nvPicPr>
-          <p:cNvPr id="17" name="Picture 16">
-            <a:extLst>
-              <a:ext uri="{FF2B5EF4-FFF2-40B4-BE49-F238E27FC236}">
-                <a16:creationId xmlns:a16="http://schemas.microsoft.com/office/drawing/2014/main" id="{81E68570-5535-40C5-8B4C-E9630FE962A1}"/>
-              </a:ext>
-            </a:extLst>
-          </p:cNvPr>
-          <p:cNvPicPr>
-            <a:picLocks noChangeAspect="1"/>
-          </p:cNvPicPr>
-          <p:nvPr/>
-        </p:nvPicPr>
-        <p:blipFill>
-          <a:blip r:embed="rId4"/>
-          <a:stretch>
-            <a:fillRect/>
-          </a:stretch>
-        </p:blipFill>
-        <p:spPr>
-          <a:xfrm>
-            <a:off x="6021487" y="2505245"/>
-            <a:ext cx="2445071" cy="1351807"/>
-          </a:xfrm>
-          <a:prstGeom prst="rect">
-            <a:avLst/>
-          </a:prstGeom>
-        </p:spPr>
-      </p:pic>
-      <p:sp>
-        <p:nvSpPr>
-          <p:cNvPr id="18" name="TextBox 17">
-            <a:extLst>
-              <a:ext uri="{FF2B5EF4-FFF2-40B4-BE49-F238E27FC236}">
-                <a16:creationId xmlns:a16="http://schemas.microsoft.com/office/drawing/2014/main" id="{5F2CF7ED-65CC-4951-8F8E-A371BDCE4BB7}"/>
-              </a:ext>
-            </a:extLst>
-          </p:cNvPr>
-          <p:cNvSpPr txBox="1"/>
-          <p:nvPr/>
-        </p:nvSpPr>
-        <p:spPr>
-          <a:xfrm>
-            <a:off x="5589667" y="2166858"/>
-            <a:ext cx="3426137" cy="261610"/>
-          </a:xfrm>
-          <a:prstGeom prst="rect">
-            <a:avLst/>
-          </a:prstGeom>
-          <a:noFill/>
-        </p:spPr>
-        <p:txBody>
-          <a:bodyPr wrap="square" rtlCol="0">
-            <a:spAutoFit/>
-          </a:bodyPr>
-          <a:lstStyle/>
-          <a:p>
-            <a:pPr marL="117475" indent="-117475">
-              <a:buFont typeface="Arial" panose="020B0604020202020204" pitchFamily="34" charset="0"/>
-              <a:buChar char="•"/>
-            </a:pPr>
-            <a:r>
-              <a:rPr lang="es-ES" sz="1100" dirty="0" err="1">
-                <a:latin typeface="Arial" panose="020B0604020202020204" pitchFamily="34" charset="0"/>
-                <a:cs typeface="Arial" panose="020B0604020202020204" pitchFamily="34" charset="0"/>
-              </a:rPr>
-              <a:t>Elaborated</a:t>
-            </a:r>
-            <a:r>
-              <a:rPr lang="es-ES" sz="1100" dirty="0">
-                <a:latin typeface="Arial" panose="020B0604020202020204" pitchFamily="34" charset="0"/>
-                <a:cs typeface="Arial" panose="020B0604020202020204" pitchFamily="34" charset="0"/>
-              </a:rPr>
-              <a:t> color </a:t>
-            </a:r>
-            <a:r>
-              <a:rPr lang="es-ES" sz="1100" dirty="0" err="1">
-                <a:latin typeface="Arial" panose="020B0604020202020204" pitchFamily="34" charset="0"/>
-                <a:cs typeface="Arial" panose="020B0604020202020204" pitchFamily="34" charset="0"/>
-              </a:rPr>
-              <a:t>palette</a:t>
-            </a:r>
-            <a:endParaRPr lang="es-ES" sz="1100" dirty="0">
-              <a:latin typeface="Arial" panose="020B0604020202020204" pitchFamily="34" charset="0"/>
-              <a:cs typeface="Arial" panose="020B0604020202020204" pitchFamily="34" charset="0"/>
-            </a:endParaRPr>
-          </a:p>
-        </p:txBody>
-      </p:sp>
-      <p:pic>
-        <p:nvPicPr>
-          <p:cNvPr id="20" name="Picture 19">
-            <a:extLst>
-              <a:ext uri="{FF2B5EF4-FFF2-40B4-BE49-F238E27FC236}">
-                <a16:creationId xmlns:a16="http://schemas.microsoft.com/office/drawing/2014/main" id="{577DBDA3-90F5-4E2C-90E0-BCEE4BDAC0E2}"/>
-              </a:ext>
-            </a:extLst>
-          </p:cNvPr>
-          <p:cNvPicPr>
-            <a:picLocks noChangeAspect="1"/>
-          </p:cNvPicPr>
-          <p:nvPr/>
-        </p:nvPicPr>
-        <p:blipFill>
-          <a:blip r:embed="rId5"/>
-          <a:stretch>
-            <a:fillRect/>
-          </a:stretch>
-        </p:blipFill>
-        <p:spPr>
-          <a:xfrm>
-            <a:off x="504275" y="3703382"/>
-            <a:ext cx="1490678" cy="1042682"/>
-          </a:xfrm>
-          <a:prstGeom prst="rect">
-            <a:avLst/>
-          </a:prstGeom>
-        </p:spPr>
-      </p:pic>
-      <p:sp>
-        <p:nvSpPr>
-          <p:cNvPr id="21" name="TextBox 20">
-            <a:extLst>
-              <a:ext uri="{FF2B5EF4-FFF2-40B4-BE49-F238E27FC236}">
-                <a16:creationId xmlns:a16="http://schemas.microsoft.com/office/drawing/2014/main" id="{E9D8D313-8332-41FB-89A9-72E91CDA4929}"/>
-              </a:ext>
-            </a:extLst>
-          </p:cNvPr>
-          <p:cNvSpPr txBox="1"/>
-          <p:nvPr/>
-        </p:nvSpPr>
-        <p:spPr>
-          <a:xfrm>
-            <a:off x="544131" y="3189516"/>
-            <a:ext cx="1490679" cy="430887"/>
-          </a:xfrm>
-          <a:prstGeom prst="rect">
-            <a:avLst/>
-          </a:prstGeom>
-          <a:noFill/>
-        </p:spPr>
-        <p:txBody>
-          <a:bodyPr wrap="square" rtlCol="0">
-            <a:spAutoFit/>
-          </a:bodyPr>
-          <a:lstStyle/>
-          <a:p>
-            <a:pPr marL="117475" indent="-117475">
-              <a:buFont typeface="Arial" panose="020B0604020202020204" pitchFamily="34" charset="0"/>
-              <a:buChar char="•"/>
-            </a:pPr>
-            <a:r>
-              <a:rPr lang="es-ES" sz="1100" dirty="0" err="1">
-                <a:latin typeface="Arial" panose="020B0604020202020204" pitchFamily="34" charset="0"/>
-                <a:cs typeface="Arial" panose="020B0604020202020204" pitchFamily="34" charset="0"/>
-              </a:rPr>
-              <a:t>Intervals</a:t>
-            </a:r>
-            <a:r>
-              <a:rPr lang="es-ES" sz="1100" dirty="0">
-                <a:latin typeface="Arial" panose="020B0604020202020204" pitchFamily="34" charset="0"/>
-                <a:cs typeface="Arial" panose="020B0604020202020204" pitchFamily="34" charset="0"/>
-              </a:rPr>
-              <a:t> </a:t>
-            </a:r>
-            <a:r>
-              <a:rPr lang="es-ES" sz="1100" dirty="0" err="1">
-                <a:latin typeface="Arial" panose="020B0604020202020204" pitchFamily="34" charset="0"/>
-                <a:cs typeface="Arial" panose="020B0604020202020204" pitchFamily="34" charset="0"/>
-              </a:rPr>
-              <a:t>btw</a:t>
-            </a:r>
-            <a:r>
-              <a:rPr lang="es-ES" sz="1100" dirty="0">
-                <a:latin typeface="Arial" panose="020B0604020202020204" pitchFamily="34" charset="0"/>
-                <a:cs typeface="Arial" panose="020B0604020202020204" pitchFamily="34" charset="0"/>
-              </a:rPr>
-              <a:t> </a:t>
-            </a:r>
-            <a:r>
-              <a:rPr lang="es-ES" sz="1100" dirty="0" err="1">
-                <a:latin typeface="Arial" panose="020B0604020202020204" pitchFamily="34" charset="0"/>
-                <a:cs typeface="Arial" panose="020B0604020202020204" pitchFamily="34" charset="0"/>
-              </a:rPr>
-              <a:t>ticks</a:t>
-            </a:r>
-            <a:endParaRPr lang="es-ES" sz="1100" dirty="0">
-              <a:latin typeface="Arial" panose="020B0604020202020204" pitchFamily="34" charset="0"/>
-              <a:cs typeface="Arial" panose="020B0604020202020204" pitchFamily="34" charset="0"/>
-            </a:endParaRPr>
-          </a:p>
-          <a:p>
-            <a:pPr marL="117475" indent="-117475">
-              <a:buFont typeface="Arial" panose="020B0604020202020204" pitchFamily="34" charset="0"/>
-              <a:buChar char="•"/>
-            </a:pPr>
-            <a:r>
-              <a:rPr lang="es-ES" sz="1100" dirty="0" err="1">
-                <a:latin typeface="Arial" panose="020B0604020202020204" pitchFamily="34" charset="0"/>
-                <a:cs typeface="Arial" panose="020B0604020202020204" pitchFamily="34" charset="0"/>
-              </a:rPr>
-              <a:t>Number</a:t>
-            </a:r>
-            <a:r>
-              <a:rPr lang="es-ES" sz="1100" dirty="0">
-                <a:latin typeface="Arial" panose="020B0604020202020204" pitchFamily="34" charset="0"/>
-                <a:cs typeface="Arial" panose="020B0604020202020204" pitchFamily="34" charset="0"/>
-              </a:rPr>
-              <a:t> </a:t>
-            </a:r>
-            <a:r>
-              <a:rPr lang="es-ES" sz="1100" dirty="0" err="1">
-                <a:latin typeface="Arial" panose="020B0604020202020204" pitchFamily="34" charset="0"/>
-                <a:cs typeface="Arial" panose="020B0604020202020204" pitchFamily="34" charset="0"/>
-              </a:rPr>
-              <a:t>of</a:t>
-            </a:r>
-            <a:r>
-              <a:rPr lang="es-ES" sz="1100" dirty="0">
-                <a:latin typeface="Arial" panose="020B0604020202020204" pitchFamily="34" charset="0"/>
-                <a:cs typeface="Arial" panose="020B0604020202020204" pitchFamily="34" charset="0"/>
-              </a:rPr>
-              <a:t> </a:t>
-            </a:r>
-            <a:r>
-              <a:rPr lang="es-ES" sz="1100" dirty="0" err="1">
-                <a:latin typeface="Arial" panose="020B0604020202020204" pitchFamily="34" charset="0"/>
-                <a:cs typeface="Arial" panose="020B0604020202020204" pitchFamily="34" charset="0"/>
-              </a:rPr>
-              <a:t>ticks</a:t>
-            </a:r>
-            <a:endParaRPr lang="es-ES" sz="1100" dirty="0">
-              <a:latin typeface="Arial" panose="020B0604020202020204" pitchFamily="34" charset="0"/>
-              <a:cs typeface="Arial" panose="020B0604020202020204" pitchFamily="34" charset="0"/>
-            </a:endParaRPr>
-          </a:p>
-        </p:txBody>
-      </p:sp>
-      <p:cxnSp>
-        <p:nvCxnSpPr>
-          <p:cNvPr id="23" name="Straight Arrow Connector 22">
-            <a:extLst>
-              <a:ext uri="{FF2B5EF4-FFF2-40B4-BE49-F238E27FC236}">
-                <a16:creationId xmlns:a16="http://schemas.microsoft.com/office/drawing/2014/main" id="{CBF5A45C-FAEE-449E-BD2D-AFD26C4B89DC}"/>
-              </a:ext>
-            </a:extLst>
-          </p:cNvPr>
-          <p:cNvCxnSpPr/>
-          <p:nvPr/>
-        </p:nvCxnSpPr>
-        <p:spPr>
-          <a:xfrm flipV="1">
-            <a:off x="2090057" y="3939483"/>
-            <a:ext cx="316259" cy="55001"/>
-          </a:xfrm>
-          <a:prstGeom prst="straightConnector1">
-            <a:avLst/>
-          </a:prstGeom>
-          <a:ln>
-            <a:solidFill>
-              <a:srgbClr val="FF0000"/>
-            </a:solidFill>
-            <a:tailEnd type="triangle"/>
-          </a:ln>
-        </p:spPr>
-        <p:style>
-          <a:lnRef idx="1">
-            <a:schemeClr val="accent2"/>
-          </a:lnRef>
-          <a:fillRef idx="0">
-            <a:schemeClr val="accent2"/>
-          </a:fillRef>
-          <a:effectRef idx="0">
-            <a:schemeClr val="accent2"/>
-          </a:effectRef>
-          <a:fontRef idx="minor">
-            <a:schemeClr val="tx1"/>
-          </a:fontRef>
-        </p:style>
-      </p:cxnSp>
-      <p:cxnSp>
-        <p:nvCxnSpPr>
-          <p:cNvPr id="24" name="Straight Arrow Connector 23">
-            <a:extLst>
-              <a:ext uri="{FF2B5EF4-FFF2-40B4-BE49-F238E27FC236}">
-                <a16:creationId xmlns:a16="http://schemas.microsoft.com/office/drawing/2014/main" id="{AE685158-689C-4040-ADC3-27AAE3F63BFD}"/>
-              </a:ext>
-            </a:extLst>
-          </p:cNvPr>
-          <p:cNvCxnSpPr>
-            <a:cxnSpLocks/>
-          </p:cNvCxnSpPr>
-          <p:nvPr/>
-        </p:nvCxnSpPr>
-        <p:spPr>
-          <a:xfrm flipV="1">
-            <a:off x="2090057" y="3478845"/>
-            <a:ext cx="515639" cy="515639"/>
-          </a:xfrm>
-          <a:prstGeom prst="straightConnector1">
-            <a:avLst/>
-          </a:prstGeom>
-          <a:ln>
-            <a:solidFill>
-              <a:srgbClr val="FF0000"/>
-            </a:solidFill>
-            <a:tailEnd type="triangle"/>
-          </a:ln>
-        </p:spPr>
-        <p:style>
-          <a:lnRef idx="1">
-            <a:schemeClr val="accent2"/>
-          </a:lnRef>
-          <a:fillRef idx="0">
-            <a:schemeClr val="accent2"/>
-          </a:fillRef>
-          <a:effectRef idx="0">
-            <a:schemeClr val="accent2"/>
-          </a:effectRef>
-          <a:fontRef idx="minor">
-            <a:schemeClr val="tx1"/>
-          </a:fontRef>
-        </p:style>
-      </p:cxnSp>
-      <p:cxnSp>
-        <p:nvCxnSpPr>
-          <p:cNvPr id="27" name="Straight Arrow Connector 26">
-            <a:extLst>
-              <a:ext uri="{FF2B5EF4-FFF2-40B4-BE49-F238E27FC236}">
-                <a16:creationId xmlns:a16="http://schemas.microsoft.com/office/drawing/2014/main" id="{56654A6F-EC3A-49E3-8CDE-0C24AA69FD5C}"/>
-              </a:ext>
-            </a:extLst>
-          </p:cNvPr>
-          <p:cNvCxnSpPr>
-            <a:cxnSpLocks/>
-          </p:cNvCxnSpPr>
-          <p:nvPr/>
-        </p:nvCxnSpPr>
-        <p:spPr>
-          <a:xfrm flipV="1">
-            <a:off x="1341810" y="3953233"/>
-            <a:ext cx="4027712" cy="695573"/>
-          </a:xfrm>
-          <a:prstGeom prst="straightConnector1">
-            <a:avLst/>
-          </a:prstGeom>
-          <a:ln>
-            <a:solidFill>
-              <a:srgbClr val="FF0000"/>
-            </a:solidFill>
-            <a:tailEnd type="triangle"/>
-          </a:ln>
-        </p:spPr>
-        <p:style>
-          <a:lnRef idx="1">
-            <a:schemeClr val="accent2"/>
-          </a:lnRef>
-          <a:fillRef idx="0">
-            <a:schemeClr val="accent2"/>
-          </a:fillRef>
-          <a:effectRef idx="0">
-            <a:schemeClr val="accent2"/>
-          </a:effectRef>
-          <a:fontRef idx="minor">
-            <a:schemeClr val="tx1"/>
-          </a:fontRef>
-        </p:style>
-      </p:cxnSp>
-      <p:pic>
-        <p:nvPicPr>
-          <p:cNvPr id="30" name="Picture 29">
-            <a:extLst>
-              <a:ext uri="{FF2B5EF4-FFF2-40B4-BE49-F238E27FC236}">
-                <a16:creationId xmlns:a16="http://schemas.microsoft.com/office/drawing/2014/main" id="{44536BD6-6D74-4E63-A0D0-ED2C1DAF6FDD}"/>
-              </a:ext>
-            </a:extLst>
-          </p:cNvPr>
-          <p:cNvPicPr>
-            <a:picLocks noChangeAspect="1"/>
-          </p:cNvPicPr>
-          <p:nvPr/>
-        </p:nvPicPr>
-        <p:blipFill>
-          <a:blip r:embed="rId6"/>
-          <a:stretch>
-            <a:fillRect/>
-          </a:stretch>
-        </p:blipFill>
-        <p:spPr>
-          <a:xfrm>
-            <a:off x="544131" y="2410406"/>
-            <a:ext cx="1654504" cy="446280"/>
-          </a:xfrm>
-          <a:prstGeom prst="rect">
-            <a:avLst/>
-          </a:prstGeom>
-        </p:spPr>
-      </p:pic>
-      <p:sp>
-        <p:nvSpPr>
-          <p:cNvPr id="31" name="TextBox 30">
-            <a:extLst>
-              <a:ext uri="{FF2B5EF4-FFF2-40B4-BE49-F238E27FC236}">
-                <a16:creationId xmlns:a16="http://schemas.microsoft.com/office/drawing/2014/main" id="{717635FC-BC0B-4B18-AE6D-1EEFA00DD3ED}"/>
-              </a:ext>
-            </a:extLst>
-          </p:cNvPr>
-          <p:cNvSpPr txBox="1"/>
-          <p:nvPr/>
-        </p:nvSpPr>
-        <p:spPr>
-          <a:xfrm>
-            <a:off x="381000" y="1930567"/>
-            <a:ext cx="1490679" cy="430887"/>
-          </a:xfrm>
-          <a:prstGeom prst="rect">
-            <a:avLst/>
-          </a:prstGeom>
-          <a:noFill/>
-        </p:spPr>
-        <p:txBody>
-          <a:bodyPr wrap="square" rtlCol="0">
-            <a:spAutoFit/>
-          </a:bodyPr>
-          <a:lstStyle/>
-          <a:p>
-            <a:pPr marL="117475" indent="-117475">
-              <a:buFont typeface="Arial" panose="020B0604020202020204" pitchFamily="34" charset="0"/>
-              <a:buChar char="•"/>
-            </a:pPr>
-            <a:r>
-              <a:rPr lang="es-ES" sz="1100" dirty="0" err="1">
-                <a:latin typeface="Arial" panose="020B0604020202020204" pitchFamily="34" charset="0"/>
-                <a:cs typeface="Arial" panose="020B0604020202020204" pitchFamily="34" charset="0"/>
-              </a:rPr>
-              <a:t>Threshold</a:t>
-            </a:r>
-            <a:r>
-              <a:rPr lang="es-ES" sz="1100" dirty="0">
-                <a:latin typeface="Arial" panose="020B0604020202020204" pitchFamily="34" charset="0"/>
-                <a:cs typeface="Arial" panose="020B0604020202020204" pitchFamily="34" charset="0"/>
-              </a:rPr>
-              <a:t> </a:t>
-            </a:r>
-            <a:r>
-              <a:rPr lang="es-ES" sz="1100" dirty="0" err="1">
-                <a:latin typeface="Arial" panose="020B0604020202020204" pitchFamily="34" charset="0"/>
-                <a:cs typeface="Arial" panose="020B0604020202020204" pitchFamily="34" charset="0"/>
-              </a:rPr>
-              <a:t>marker</a:t>
-            </a:r>
-            <a:r>
-              <a:rPr lang="es-ES" sz="1100" dirty="0">
-                <a:latin typeface="Arial" panose="020B0604020202020204" pitchFamily="34" charset="0"/>
-                <a:cs typeface="Arial" panose="020B0604020202020204" pitchFamily="34" charset="0"/>
-              </a:rPr>
-              <a:t> color, </a:t>
-            </a:r>
-            <a:r>
-              <a:rPr lang="es-ES" sz="1100" dirty="0" err="1">
-                <a:latin typeface="Arial" panose="020B0604020202020204" pitchFamily="34" charset="0"/>
-                <a:cs typeface="Arial" panose="020B0604020202020204" pitchFamily="34" charset="0"/>
-              </a:rPr>
-              <a:t>width</a:t>
-            </a:r>
-            <a:r>
-              <a:rPr lang="es-ES" sz="1100" dirty="0">
-                <a:latin typeface="Arial" panose="020B0604020202020204" pitchFamily="34" charset="0"/>
-                <a:cs typeface="Arial" panose="020B0604020202020204" pitchFamily="34" charset="0"/>
-              </a:rPr>
-              <a:t>, </a:t>
-            </a:r>
-            <a:r>
-              <a:rPr lang="es-ES" sz="1100" dirty="0" err="1">
-                <a:latin typeface="Arial" panose="020B0604020202020204" pitchFamily="34" charset="0"/>
-                <a:cs typeface="Arial" panose="020B0604020202020204" pitchFamily="34" charset="0"/>
-              </a:rPr>
-              <a:t>value</a:t>
-            </a:r>
-            <a:endParaRPr lang="es-ES" sz="1100" dirty="0">
-              <a:latin typeface="Arial" panose="020B0604020202020204" pitchFamily="34" charset="0"/>
-              <a:cs typeface="Arial" panose="020B0604020202020204" pitchFamily="34" charset="0"/>
-            </a:endParaRPr>
-          </a:p>
-        </p:txBody>
-      </p:sp>
-      <p:cxnSp>
-        <p:nvCxnSpPr>
-          <p:cNvPr id="32" name="Straight Arrow Connector 31">
-            <a:extLst>
-              <a:ext uri="{FF2B5EF4-FFF2-40B4-BE49-F238E27FC236}">
-                <a16:creationId xmlns:a16="http://schemas.microsoft.com/office/drawing/2014/main" id="{0C09CCDE-F7DB-47F4-8DFF-A3F60C353EC4}"/>
+                <a16:creationId xmlns:a16="http://schemas.microsoft.com/office/drawing/2014/main" id="{8BA1D968-7E7A-4763-AC19-08810E9D6A81}"/>
               </a:ext>
             </a:extLst>
           </p:cNvPr>
@@ -3492,13 +2215,13 @@
         </p:nvCxnSpPr>
         <p:spPr>
           <a:xfrm>
-            <a:off x="1994953" y="2882000"/>
-            <a:ext cx="927002" cy="224537"/>
+            <a:off x="2365065" y="1787549"/>
+            <a:ext cx="2121068" cy="596330"/>
           </a:xfrm>
           <a:prstGeom prst="straightConnector1">
             <a:avLst/>
           </a:prstGeom>
-          <a:ln>
+          <a:ln w="12700">
             <a:solidFill>
               <a:srgbClr val="FF0000"/>
             </a:solidFill>
@@ -3506,13 +2229,13 @@
           </a:ln>
         </p:spPr>
         <p:style>
-          <a:lnRef idx="1">
+          <a:lnRef idx="3">
             <a:schemeClr val="accent2"/>
           </a:lnRef>
           <a:fillRef idx="0">
             <a:schemeClr val="accent2"/>
           </a:fillRef>
-          <a:effectRef idx="0">
+          <a:effectRef idx="2">
             <a:schemeClr val="accent2"/>
           </a:effectRef>
           <a:fontRef idx="minor">
@@ -3520,54 +2243,112 @@
           </a:fontRef>
         </p:style>
       </p:cxnSp>
-      <p:cxnSp>
-        <p:nvCxnSpPr>
-          <p:cNvPr id="36" name="Straight Arrow Connector 35">
-            <a:extLst>
-              <a:ext uri="{FF2B5EF4-FFF2-40B4-BE49-F238E27FC236}">
-                <a16:creationId xmlns:a16="http://schemas.microsoft.com/office/drawing/2014/main" id="{CBE73CCF-5BE4-49EA-82EC-1B2A9CC590D8}"/>
-              </a:ext>
-            </a:extLst>
-          </p:cNvPr>
-          <p:cNvCxnSpPr>
-            <a:cxnSpLocks/>
-          </p:cNvCxnSpPr>
-          <p:nvPr/>
-        </p:nvCxnSpPr>
-        <p:spPr>
-          <a:xfrm flipH="1">
-            <a:off x="4196026" y="1930567"/>
-            <a:ext cx="1622144" cy="1548278"/>
-          </a:xfrm>
-          <a:prstGeom prst="straightConnector1">
-            <a:avLst/>
-          </a:prstGeom>
-          <a:ln>
-            <a:solidFill>
-              <a:srgbClr val="FF0000"/>
-            </a:solidFill>
-            <a:tailEnd type="triangle"/>
-          </a:ln>
-        </p:spPr>
-        <p:style>
-          <a:lnRef idx="1">
-            <a:schemeClr val="accent2"/>
-          </a:lnRef>
-          <a:fillRef idx="0">
-            <a:schemeClr val="accent2"/>
-          </a:fillRef>
-          <a:effectRef idx="0">
-            <a:schemeClr val="accent2"/>
-          </a:effectRef>
-          <a:fontRef idx="minor">
-            <a:schemeClr val="tx1"/>
-          </a:fontRef>
-        </p:style>
-      </p:cxnSp>
+      <mc:AlternateContent xmlns:mc="http://schemas.openxmlformats.org/markup-compatibility/2006">
+        <mc:Choice xmlns:p14="http://schemas.microsoft.com/office/powerpoint/2010/main" Requires="p14">
+          <p:contentPart p14:bwMode="auto" r:id="rId3">
+            <p14:nvContentPartPr>
+              <p14:cNvPr id="13" name="Ink 12">
+                <a:extLst>
+                  <a:ext uri="{FF2B5EF4-FFF2-40B4-BE49-F238E27FC236}">
+                    <a16:creationId xmlns:a16="http://schemas.microsoft.com/office/drawing/2014/main" id="{512BEDA3-A555-427B-BE11-545CE5F3B454}"/>
+                  </a:ext>
+                </a:extLst>
+              </p14:cNvPr>
+              <p14:cNvContentPartPr/>
+              <p14:nvPr/>
+            </p14:nvContentPartPr>
+            <p14:xfrm>
+              <a:off x="1615258" y="1724741"/>
+              <a:ext cx="721440" cy="28800"/>
+            </p14:xfrm>
+          </p:contentPart>
+        </mc:Choice>
+        <mc:Fallback>
+          <p:pic>
+            <p:nvPicPr>
+              <p:cNvPr id="13" name="Ink 12">
+                <a:extLst>
+                  <a:ext uri="{FF2B5EF4-FFF2-40B4-BE49-F238E27FC236}">
+                    <a16:creationId xmlns:a16="http://schemas.microsoft.com/office/drawing/2014/main" id="{512BEDA3-A555-427B-BE11-545CE5F3B454}"/>
+                  </a:ext>
+                </a:extLst>
+              </p:cNvPr>
+              <p:cNvPicPr/>
+              <p:nvPr/>
+            </p:nvPicPr>
+            <p:blipFill>
+              <a:blip r:embed="rId4"/>
+              <a:stretch>
+                <a:fillRect/>
+              </a:stretch>
+            </p:blipFill>
+            <p:spPr>
+              <a:xfrm>
+                <a:off x="1579618" y="1653101"/>
+                <a:ext cx="793080" cy="172440"/>
+              </a:xfrm>
+              <a:prstGeom prst="rect">
+                <a:avLst/>
+              </a:prstGeom>
+            </p:spPr>
+          </p:pic>
+        </mc:Fallback>
+      </mc:AlternateContent>
+      <mc:AlternateContent xmlns:mc="http://schemas.openxmlformats.org/markup-compatibility/2006">
+        <mc:Choice xmlns:p14="http://schemas.microsoft.com/office/powerpoint/2010/main" Requires="p14">
+          <p:contentPart p14:bwMode="auto" r:id="rId5">
+            <p14:nvContentPartPr>
+              <p14:cNvPr id="14" name="Ink 13">
+                <a:extLst>
+                  <a:ext uri="{FF2B5EF4-FFF2-40B4-BE49-F238E27FC236}">
+                    <a16:creationId xmlns:a16="http://schemas.microsoft.com/office/drawing/2014/main" id="{659A2F7D-8F8A-45F7-997D-C2BDC83FE60C}"/>
+                  </a:ext>
+                </a:extLst>
+              </p14:cNvPr>
+              <p14:cNvContentPartPr/>
+              <p14:nvPr/>
+            </p14:nvContentPartPr>
+            <p14:xfrm>
+              <a:off x="4523338" y="2371661"/>
+              <a:ext cx="384840" cy="14400"/>
+            </p14:xfrm>
+          </p:contentPart>
+        </mc:Choice>
+        <mc:Fallback>
+          <p:pic>
+            <p:nvPicPr>
+              <p:cNvPr id="14" name="Ink 13">
+                <a:extLst>
+                  <a:ext uri="{FF2B5EF4-FFF2-40B4-BE49-F238E27FC236}">
+                    <a16:creationId xmlns:a16="http://schemas.microsoft.com/office/drawing/2014/main" id="{659A2F7D-8F8A-45F7-997D-C2BDC83FE60C}"/>
+                  </a:ext>
+                </a:extLst>
+              </p:cNvPr>
+              <p:cNvPicPr/>
+              <p:nvPr/>
+            </p:nvPicPr>
+            <p:blipFill>
+              <a:blip r:embed="rId6"/>
+              <a:stretch>
+                <a:fillRect/>
+              </a:stretch>
+            </p:blipFill>
+            <p:spPr>
+              <a:xfrm>
+                <a:off x="4487698" y="2300021"/>
+                <a:ext cx="456480" cy="158040"/>
+              </a:xfrm>
+              <a:prstGeom prst="rect">
+                <a:avLst/>
+              </a:prstGeom>
+            </p:spPr>
+          </p:pic>
+        </mc:Fallback>
+      </mc:AlternateContent>
     </p:spTree>
     <p:extLst>
       <p:ext uri="{BB962C8B-B14F-4D97-AF65-F5344CB8AC3E}">
-        <p14:creationId xmlns:p14="http://schemas.microsoft.com/office/powerpoint/2010/main" val="1817127489"/>
+        <p14:creationId xmlns:p14="http://schemas.microsoft.com/office/powerpoint/2010/main" val="3081649225"/>
       </p:ext>
     </p:extLst>
   </p:cSld>
